--- a/stories_pic/creator.pptx
+++ b/stories_pic/creator.pptx
@@ -10,6 +10,11 @@
     <p:sldId id="258" r:id="rId4"/>
     <p:sldId id="259" r:id="rId5"/>
     <p:sldId id="260" r:id="rId6"/>
+    <p:sldId id="265" r:id="rId7"/>
+    <p:sldId id="266" r:id="rId8"/>
+    <p:sldId id="267" r:id="rId9"/>
+    <p:sldId id="268" r:id="rId10"/>
+    <p:sldId id="269" r:id="rId11"/>
   </p:sldIdLst>
   <p:sldSz cx="8999538" cy="3600450"/>
   <p:notesSz cx="6858000" cy="9144000"/>
@@ -109,6 +114,28 @@
     </a:lvl9pPr>
   </p:defaultTextStyle>
   <p:extLst>
+    <p:ext uri="{521415D9-36F7-43E2-AB2F-B90AF26B5E84}">
+      <p14:sectionLst xmlns:p14="http://schemas.microsoft.com/office/powerpoint/2010/main">
+        <p14:section name="stories" id="{17B03928-D909-4C00-AB29-7C77EFCD3CF8}">
+          <p14:sldIdLst>
+            <p14:sldId id="256"/>
+            <p14:sldId id="257"/>
+            <p14:sldId id="258"/>
+            <p14:sldId id="259"/>
+            <p14:sldId id="260"/>
+          </p14:sldIdLst>
+        </p14:section>
+        <p14:section name="chara" id="{3B227DD5-D9F4-466C-A7A0-F366D4439A0B}">
+          <p14:sldIdLst>
+            <p14:sldId id="265"/>
+            <p14:sldId id="266"/>
+            <p14:sldId id="267"/>
+            <p14:sldId id="268"/>
+            <p14:sldId id="269"/>
+          </p14:sldIdLst>
+        </p14:section>
+      </p14:sectionLst>
+    </p:ext>
     <p:ext uri="{EFAFB233-063F-42B5-8137-9DF3F51BA10A}">
       <p15:sldGuideLst xmlns:p15="http://schemas.microsoft.com/office/powerpoint/2012/main"/>
     </p:ext>
@@ -247,7 +274,7 @@
           <a:p>
             <a:fld id="{02692BD5-BB1D-472C-B318-384D5A668370}" type="datetimeFigureOut">
               <a:rPr kumimoji="1" lang="ja-JP" altLang="en-US" smtClean="0"/>
-              <a:t>2021/8/16</a:t>
+              <a:t>2021/10/25</a:t>
             </a:fld>
             <a:endParaRPr kumimoji="1" lang="ja-JP" altLang="en-US"/>
           </a:p>
@@ -449,7 +476,7 @@
           <a:p>
             <a:fld id="{02692BD5-BB1D-472C-B318-384D5A668370}" type="datetimeFigureOut">
               <a:rPr kumimoji="1" lang="ja-JP" altLang="en-US" smtClean="0"/>
-              <a:t>2021/8/16</a:t>
+              <a:t>2021/10/25</a:t>
             </a:fld>
             <a:endParaRPr kumimoji="1" lang="ja-JP" altLang="en-US"/>
           </a:p>
@@ -661,7 +688,7 @@
           <a:p>
             <a:fld id="{02692BD5-BB1D-472C-B318-384D5A668370}" type="datetimeFigureOut">
               <a:rPr kumimoji="1" lang="ja-JP" altLang="en-US" smtClean="0"/>
-              <a:t>2021/8/16</a:t>
+              <a:t>2021/10/25</a:t>
             </a:fld>
             <a:endParaRPr kumimoji="1" lang="ja-JP" altLang="en-US"/>
           </a:p>
@@ -863,7 +890,7 @@
           <a:p>
             <a:fld id="{02692BD5-BB1D-472C-B318-384D5A668370}" type="datetimeFigureOut">
               <a:rPr kumimoji="1" lang="ja-JP" altLang="en-US" smtClean="0"/>
-              <a:t>2021/8/16</a:t>
+              <a:t>2021/10/25</a:t>
             </a:fld>
             <a:endParaRPr kumimoji="1" lang="ja-JP" altLang="en-US"/>
           </a:p>
@@ -1109,7 +1136,7 @@
           <a:p>
             <a:fld id="{02692BD5-BB1D-472C-B318-384D5A668370}" type="datetimeFigureOut">
               <a:rPr kumimoji="1" lang="ja-JP" altLang="en-US" smtClean="0"/>
-              <a:t>2021/8/16</a:t>
+              <a:t>2021/10/25</a:t>
             </a:fld>
             <a:endParaRPr kumimoji="1" lang="ja-JP" altLang="en-US"/>
           </a:p>
@@ -1405,7 +1432,7 @@
           <a:p>
             <a:fld id="{02692BD5-BB1D-472C-B318-384D5A668370}" type="datetimeFigureOut">
               <a:rPr kumimoji="1" lang="ja-JP" altLang="en-US" smtClean="0"/>
-              <a:t>2021/8/16</a:t>
+              <a:t>2021/10/25</a:t>
             </a:fld>
             <a:endParaRPr kumimoji="1" lang="ja-JP" altLang="en-US"/>
           </a:p>
@@ -1836,7 +1863,7 @@
           <a:p>
             <a:fld id="{02692BD5-BB1D-472C-B318-384D5A668370}" type="datetimeFigureOut">
               <a:rPr kumimoji="1" lang="ja-JP" altLang="en-US" smtClean="0"/>
-              <a:t>2021/8/16</a:t>
+              <a:t>2021/10/25</a:t>
             </a:fld>
             <a:endParaRPr kumimoji="1" lang="ja-JP" altLang="en-US"/>
           </a:p>
@@ -1954,7 +1981,7 @@
           <a:p>
             <a:fld id="{02692BD5-BB1D-472C-B318-384D5A668370}" type="datetimeFigureOut">
               <a:rPr kumimoji="1" lang="ja-JP" altLang="en-US" smtClean="0"/>
-              <a:t>2021/8/16</a:t>
+              <a:t>2021/10/25</a:t>
             </a:fld>
             <a:endParaRPr kumimoji="1" lang="ja-JP" altLang="en-US"/>
           </a:p>
@@ -2049,7 +2076,7 @@
           <a:p>
             <a:fld id="{02692BD5-BB1D-472C-B318-384D5A668370}" type="datetimeFigureOut">
               <a:rPr kumimoji="1" lang="ja-JP" altLang="en-US" smtClean="0"/>
-              <a:t>2021/8/16</a:t>
+              <a:t>2021/10/25</a:t>
             </a:fld>
             <a:endParaRPr kumimoji="1" lang="ja-JP" altLang="en-US"/>
           </a:p>
@@ -2358,7 +2385,7 @@
           <a:p>
             <a:fld id="{02692BD5-BB1D-472C-B318-384D5A668370}" type="datetimeFigureOut">
               <a:rPr kumimoji="1" lang="ja-JP" altLang="en-US" smtClean="0"/>
-              <a:t>2021/8/16</a:t>
+              <a:t>2021/10/25</a:t>
             </a:fld>
             <a:endParaRPr kumimoji="1" lang="ja-JP" altLang="en-US"/>
           </a:p>
@@ -2615,7 +2642,7 @@
           <a:p>
             <a:fld id="{02692BD5-BB1D-472C-B318-384D5A668370}" type="datetimeFigureOut">
               <a:rPr kumimoji="1" lang="ja-JP" altLang="en-US" smtClean="0"/>
-              <a:t>2021/8/16</a:t>
+              <a:t>2021/10/25</a:t>
             </a:fld>
             <a:endParaRPr kumimoji="1" lang="ja-JP" altLang="en-US"/>
           </a:p>
@@ -2860,7 +2887,7 @@
           <a:p>
             <a:fld id="{02692BD5-BB1D-472C-B318-384D5A668370}" type="datetimeFigureOut">
               <a:rPr kumimoji="1" lang="ja-JP" altLang="en-US" smtClean="0"/>
-              <a:t>2021/8/16</a:t>
+              <a:t>2021/10/25</a:t>
             </a:fld>
             <a:endParaRPr kumimoji="1" lang="ja-JP" altLang="en-US"/>
           </a:p>
@@ -3583,6 +3610,540 @@
 </p:sld>
 </file>
 
+<file path=ppt/slides/slide10.xml><?xml version="1.0" encoding="utf-8"?>
+<p:sld xmlns:a="http://schemas.openxmlformats.org/drawingml/2006/main" xmlns:r="http://schemas.openxmlformats.org/officeDocument/2006/relationships" xmlns:p="http://schemas.openxmlformats.org/presentationml/2006/main">
+  <p:cSld>
+    <p:spTree>
+      <p:nvGrpSpPr>
+        <p:cNvPr id="1" name=""/>
+        <p:cNvGrpSpPr/>
+        <p:nvPr/>
+      </p:nvGrpSpPr>
+      <p:grpSpPr>
+        <a:xfrm>
+          <a:off x="0" y="0"/>
+          <a:ext cx="0" cy="0"/>
+          <a:chOff x="0" y="0"/>
+          <a:chExt cx="0" cy="0"/>
+        </a:xfrm>
+      </p:grpSpPr>
+      <p:sp>
+        <p:nvSpPr>
+          <p:cNvPr id="8" name="正方形/長方形 7">
+            <a:extLst>
+              <a:ext uri="{FF2B5EF4-FFF2-40B4-BE49-F238E27FC236}">
+                <a16:creationId xmlns:a16="http://schemas.microsoft.com/office/drawing/2014/main" id="{42442900-6ECB-47FF-B349-FD8564FF39E2}"/>
+              </a:ext>
+            </a:extLst>
+          </p:cNvPr>
+          <p:cNvSpPr/>
+          <p:nvPr/>
+        </p:nvSpPr>
+        <p:spPr>
+          <a:xfrm rot="10800000" flipH="1">
+            <a:off x="3641272" y="0"/>
+            <a:ext cx="5358266" cy="3600450"/>
+          </a:xfrm>
+          <a:prstGeom prst="rect">
+            <a:avLst/>
+          </a:prstGeom>
+          <a:gradFill>
+            <a:gsLst>
+              <a:gs pos="0">
+                <a:schemeClr val="tx1">
+                  <a:tint val="44500"/>
+                  <a:satMod val="160000"/>
+                  <a:lumMod val="78000"/>
+                </a:schemeClr>
+              </a:gs>
+              <a:gs pos="76000">
+                <a:schemeClr val="tx1">
+                  <a:tint val="23500"/>
+                  <a:satMod val="160000"/>
+                  <a:lumMod val="0"/>
+                </a:schemeClr>
+              </a:gs>
+            </a:gsLst>
+            <a:lin ang="16200000" scaled="1"/>
+          </a:gradFill>
+          <a:ln>
+            <a:noFill/>
+          </a:ln>
+        </p:spPr>
+        <p:style>
+          <a:lnRef idx="2">
+            <a:schemeClr val="accent1">
+              <a:shade val="50000"/>
+            </a:schemeClr>
+          </a:lnRef>
+          <a:fillRef idx="1">
+            <a:schemeClr val="accent1"/>
+          </a:fillRef>
+          <a:effectRef idx="0">
+            <a:schemeClr val="accent1"/>
+          </a:effectRef>
+          <a:fontRef idx="minor">
+            <a:schemeClr val="lt1"/>
+          </a:fontRef>
+        </p:style>
+        <p:txBody>
+          <a:bodyPr rtlCol="0" anchor="ctr"/>
+          <a:lstStyle/>
+          <a:p>
+            <a:pPr algn="ctr"/>
+            <a:endParaRPr kumimoji="1" lang="ja-JP" altLang="en-US"/>
+          </a:p>
+        </p:txBody>
+      </p:sp>
+      <p:sp>
+        <p:nvSpPr>
+          <p:cNvPr id="34" name="正方形/長方形 33">
+            <a:extLst>
+              <a:ext uri="{FF2B5EF4-FFF2-40B4-BE49-F238E27FC236}">
+                <a16:creationId xmlns:a16="http://schemas.microsoft.com/office/drawing/2014/main" id="{1A8D8148-CBD7-4073-A31B-6BFF614D08AB}"/>
+              </a:ext>
+            </a:extLst>
+          </p:cNvPr>
+          <p:cNvSpPr/>
+          <p:nvPr/>
+        </p:nvSpPr>
+        <p:spPr>
+          <a:xfrm flipH="1">
+            <a:off x="0" y="0"/>
+            <a:ext cx="3641272" cy="3600450"/>
+          </a:xfrm>
+          <a:prstGeom prst="rect">
+            <a:avLst/>
+          </a:prstGeom>
+          <a:gradFill>
+            <a:gsLst>
+              <a:gs pos="0">
+                <a:schemeClr val="tx1">
+                  <a:tint val="44500"/>
+                  <a:satMod val="160000"/>
+                  <a:lumMod val="78000"/>
+                </a:schemeClr>
+              </a:gs>
+              <a:gs pos="76000">
+                <a:schemeClr val="tx1">
+                  <a:tint val="23500"/>
+                  <a:satMod val="160000"/>
+                  <a:lumMod val="0"/>
+                </a:schemeClr>
+              </a:gs>
+            </a:gsLst>
+            <a:lin ang="16200000" scaled="1"/>
+          </a:gradFill>
+          <a:ln>
+            <a:noFill/>
+          </a:ln>
+        </p:spPr>
+        <p:style>
+          <a:lnRef idx="2">
+            <a:schemeClr val="accent1">
+              <a:shade val="50000"/>
+            </a:schemeClr>
+          </a:lnRef>
+          <a:fillRef idx="1">
+            <a:schemeClr val="accent1"/>
+          </a:fillRef>
+          <a:effectRef idx="0">
+            <a:schemeClr val="accent1"/>
+          </a:effectRef>
+          <a:fontRef idx="minor">
+            <a:schemeClr val="lt1"/>
+          </a:fontRef>
+        </p:style>
+        <p:txBody>
+          <a:bodyPr rtlCol="0" anchor="ctr"/>
+          <a:lstStyle/>
+          <a:p>
+            <a:pPr algn="ctr"/>
+            <a:endParaRPr kumimoji="1" lang="ja-JP" altLang="en-US"/>
+          </a:p>
+        </p:txBody>
+      </p:sp>
+      <p:sp>
+        <p:nvSpPr>
+          <p:cNvPr id="10" name="テキスト ボックス 9">
+            <a:extLst>
+              <a:ext uri="{FF2B5EF4-FFF2-40B4-BE49-F238E27FC236}">
+                <a16:creationId xmlns:a16="http://schemas.microsoft.com/office/drawing/2014/main" id="{CAF70ADB-161F-4401-9714-B7853D5471E4}"/>
+              </a:ext>
+            </a:extLst>
+          </p:cNvPr>
+          <p:cNvSpPr txBox="1"/>
+          <p:nvPr/>
+        </p:nvSpPr>
+        <p:spPr>
+          <a:xfrm>
+            <a:off x="3641272" y="0"/>
+            <a:ext cx="5358266" cy="3170099"/>
+          </a:xfrm>
+          <a:prstGeom prst="rect">
+            <a:avLst/>
+          </a:prstGeom>
+          <a:noFill/>
+        </p:spPr>
+        <p:txBody>
+          <a:bodyPr wrap="square" rtlCol="0">
+            <a:spAutoFit/>
+          </a:bodyPr>
+          <a:lstStyle/>
+          <a:p>
+            <a:r>
+              <a:rPr kumimoji="1" lang="ja-JP" altLang="en-US" sz="2000" dirty="0">
+                <a:ln w="6350">
+                  <a:noFill/>
+                </a:ln>
+                <a:solidFill>
+                  <a:schemeClr val="bg1"/>
+                </a:solidFill>
+                <a:latin typeface="UD デジタル 教科書体 NP-R" panose="02020400000000000000" pitchFamily="18" charset="-128"/>
+                <a:ea typeface="UD デジタル 教科書体 NP-R" panose="02020400000000000000" pitchFamily="18" charset="-128"/>
+              </a:rPr>
+              <a:t>名前：ダークジャック</a:t>
+            </a:r>
+            <a:endParaRPr kumimoji="1" lang="en-US" altLang="ja-JP" sz="2000" dirty="0">
+              <a:ln w="6350">
+                <a:noFill/>
+              </a:ln>
+              <a:solidFill>
+                <a:schemeClr val="bg1"/>
+              </a:solidFill>
+              <a:latin typeface="UD デジタル 教科書体 NP-R" panose="02020400000000000000" pitchFamily="18" charset="-128"/>
+              <a:ea typeface="UD デジタル 教科書体 NP-R" panose="02020400000000000000" pitchFamily="18" charset="-128"/>
+            </a:endParaRPr>
+          </a:p>
+          <a:p>
+            <a:r>
+              <a:rPr kumimoji="1" lang="ja-JP" altLang="en-US" sz="2000" dirty="0">
+                <a:ln w="6350">
+                  <a:noFill/>
+                </a:ln>
+                <a:solidFill>
+                  <a:schemeClr val="bg1"/>
+                </a:solidFill>
+                <a:latin typeface="UD デジタル 教科書体 NP-R" panose="02020400000000000000" pitchFamily="18" charset="-128"/>
+                <a:ea typeface="UD デジタル 教科書体 NP-R" panose="02020400000000000000" pitchFamily="18" charset="-128"/>
+              </a:rPr>
+              <a:t>キャラ種類：</a:t>
+            </a:r>
+            <a:r>
+              <a:rPr kumimoji="1" lang="en-US" altLang="ja-JP" sz="2000" dirty="0">
+                <a:ln w="6350">
+                  <a:noFill/>
+                </a:ln>
+                <a:solidFill>
+                  <a:schemeClr val="bg1"/>
+                </a:solidFill>
+                <a:latin typeface="UD デジタル 教科書体 NP-R" panose="02020400000000000000" pitchFamily="18" charset="-128"/>
+                <a:ea typeface="UD デジタル 教科書体 NP-R" panose="02020400000000000000" pitchFamily="18" charset="-128"/>
+              </a:rPr>
+              <a:t>JLT 2.30</a:t>
+            </a:r>
+            <a:r>
+              <a:rPr kumimoji="1" lang="ja-JP" altLang="en-US" sz="2000" dirty="0">
+                <a:ln w="6350">
+                  <a:noFill/>
+                </a:ln>
+                <a:solidFill>
+                  <a:schemeClr val="bg1"/>
+                </a:solidFill>
+                <a:latin typeface="UD デジタル 教科書体 NP-R" panose="02020400000000000000" pitchFamily="18" charset="-128"/>
+                <a:ea typeface="UD デジタル 教科書体 NP-R" panose="02020400000000000000" pitchFamily="18" charset="-128"/>
+              </a:rPr>
+              <a:t>「タマシイ込めて」</a:t>
+            </a:r>
+            <a:endParaRPr kumimoji="1" lang="en-US" altLang="ja-JP" sz="2000" dirty="0">
+              <a:ln w="6350">
+                <a:noFill/>
+              </a:ln>
+              <a:solidFill>
+                <a:schemeClr val="bg1"/>
+              </a:solidFill>
+              <a:latin typeface="UD デジタル 教科書体 NP-R" panose="02020400000000000000" pitchFamily="18" charset="-128"/>
+              <a:ea typeface="UD デジタル 教科書体 NP-R" panose="02020400000000000000" pitchFamily="18" charset="-128"/>
+            </a:endParaRPr>
+          </a:p>
+          <a:p>
+            <a:r>
+              <a:rPr kumimoji="1" lang="ja-JP" altLang="en-US" sz="2000" dirty="0">
+                <a:ln w="6350">
+                  <a:noFill/>
+                </a:ln>
+                <a:solidFill>
+                  <a:schemeClr val="bg1"/>
+                </a:solidFill>
+                <a:latin typeface="UD デジタル 教科書体 NP-R" panose="02020400000000000000" pitchFamily="18" charset="-128"/>
+                <a:ea typeface="UD デジタル 教科書体 NP-R" panose="02020400000000000000" pitchFamily="18" charset="-128"/>
+              </a:rPr>
+              <a:t>攻撃力：</a:t>
+            </a:r>
+            <a:r>
+              <a:rPr kumimoji="1" lang="en-US" altLang="ja-JP" sz="2000" dirty="0">
+                <a:ln w="6350">
+                  <a:noFill/>
+                </a:ln>
+                <a:solidFill>
+                  <a:schemeClr val="bg1"/>
+                </a:solidFill>
+                <a:latin typeface="UD デジタル 教科書体 NP-R" panose="02020400000000000000" pitchFamily="18" charset="-128"/>
+                <a:ea typeface="UD デジタル 教科書体 NP-R" panose="02020400000000000000" pitchFamily="18" charset="-128"/>
+              </a:rPr>
+              <a:t>45</a:t>
+            </a:r>
+          </a:p>
+          <a:p>
+            <a:r>
+              <a:rPr kumimoji="1" lang="ja-JP" altLang="en-US" sz="2000" dirty="0">
+                <a:ln w="6350">
+                  <a:noFill/>
+                </a:ln>
+                <a:solidFill>
+                  <a:schemeClr val="bg1"/>
+                </a:solidFill>
+                <a:latin typeface="UD デジタル 教科書体 NP-R" panose="02020400000000000000" pitchFamily="18" charset="-128"/>
+                <a:ea typeface="UD デジタル 教科書体 NP-R" panose="02020400000000000000" pitchFamily="18" charset="-128"/>
+              </a:rPr>
+              <a:t>防御力：</a:t>
+            </a:r>
+            <a:r>
+              <a:rPr kumimoji="1" lang="en-US" altLang="ja-JP" sz="2000" dirty="0">
+                <a:ln w="6350">
+                  <a:noFill/>
+                </a:ln>
+                <a:solidFill>
+                  <a:schemeClr val="bg1"/>
+                </a:solidFill>
+                <a:latin typeface="UD デジタル 教科書体 NP-R" panose="02020400000000000000" pitchFamily="18" charset="-128"/>
+                <a:ea typeface="UD デジタル 教科書体 NP-R" panose="02020400000000000000" pitchFamily="18" charset="-128"/>
+              </a:rPr>
+              <a:t>5</a:t>
+            </a:r>
+          </a:p>
+          <a:p>
+            <a:r>
+              <a:rPr kumimoji="1" lang="ja-JP" altLang="en-US" sz="2000" dirty="0">
+                <a:ln w="6350">
+                  <a:noFill/>
+                </a:ln>
+                <a:solidFill>
+                  <a:schemeClr val="bg1"/>
+                </a:solidFill>
+                <a:latin typeface="UD デジタル 教科書体 NP-R" panose="02020400000000000000" pitchFamily="18" charset="-128"/>
+                <a:ea typeface="UD デジタル 教科書体 NP-R" panose="02020400000000000000" pitchFamily="18" charset="-128"/>
+              </a:rPr>
+              <a:t>最大</a:t>
+            </a:r>
+            <a:r>
+              <a:rPr kumimoji="1" lang="en-US" altLang="ja-JP" sz="2000" dirty="0">
+                <a:ln w="6350">
+                  <a:noFill/>
+                </a:ln>
+                <a:solidFill>
+                  <a:schemeClr val="bg1"/>
+                </a:solidFill>
+                <a:latin typeface="UD デジタル 教科書体 NP-R" panose="02020400000000000000" pitchFamily="18" charset="-128"/>
+                <a:ea typeface="UD デジタル 教科書体 NP-R" panose="02020400000000000000" pitchFamily="18" charset="-128"/>
+              </a:rPr>
+              <a:t>HP</a:t>
+            </a:r>
+            <a:r>
+              <a:rPr kumimoji="1" lang="ja-JP" altLang="en-US" sz="2000" dirty="0">
+                <a:ln w="6350">
+                  <a:noFill/>
+                </a:ln>
+                <a:solidFill>
+                  <a:schemeClr val="bg1"/>
+                </a:solidFill>
+                <a:latin typeface="UD デジタル 教科書体 NP-R" panose="02020400000000000000" pitchFamily="18" charset="-128"/>
+                <a:ea typeface="UD デジタル 教科書体 NP-R" panose="02020400000000000000" pitchFamily="18" charset="-128"/>
+              </a:rPr>
+              <a:t>：</a:t>
+            </a:r>
+            <a:r>
+              <a:rPr kumimoji="1" lang="en-US" altLang="ja-JP" sz="2000" dirty="0">
+                <a:ln w="6350">
+                  <a:noFill/>
+                </a:ln>
+                <a:solidFill>
+                  <a:schemeClr val="bg1"/>
+                </a:solidFill>
+                <a:latin typeface="UD デジタル 教科書体 NP-R" panose="02020400000000000000" pitchFamily="18" charset="-128"/>
+                <a:ea typeface="UD デジタル 教科書体 NP-R" panose="02020400000000000000" pitchFamily="18" charset="-128"/>
+              </a:rPr>
+              <a:t>200</a:t>
+            </a:r>
+          </a:p>
+          <a:p>
+            <a:endParaRPr kumimoji="1" lang="en-US" altLang="ja-JP" sz="2000" dirty="0">
+              <a:ln w="6350">
+                <a:noFill/>
+              </a:ln>
+              <a:solidFill>
+                <a:schemeClr val="bg1"/>
+              </a:solidFill>
+              <a:latin typeface="UD デジタル 教科書体 NP-R" panose="02020400000000000000" pitchFamily="18" charset="-128"/>
+              <a:ea typeface="UD デジタル 教科書体 NP-R" panose="02020400000000000000" pitchFamily="18" charset="-128"/>
+            </a:endParaRPr>
+          </a:p>
+          <a:p>
+            <a:r>
+              <a:rPr kumimoji="1" lang="ja-JP" altLang="en-US" sz="2000" dirty="0">
+                <a:ln w="6350">
+                  <a:noFill/>
+                </a:ln>
+                <a:solidFill>
+                  <a:schemeClr val="bg1"/>
+                </a:solidFill>
+                <a:latin typeface="UD デジタル 教科書体 NP-R" panose="02020400000000000000" pitchFamily="18" charset="-128"/>
+                <a:ea typeface="UD デジタル 教科書体 NP-R" panose="02020400000000000000" pitchFamily="18" charset="-128"/>
+              </a:rPr>
+              <a:t>・コメント</a:t>
+            </a:r>
+            <a:endParaRPr kumimoji="1" lang="en-US" altLang="ja-JP" sz="2000" dirty="0">
+              <a:ln w="6350">
+                <a:noFill/>
+              </a:ln>
+              <a:solidFill>
+                <a:schemeClr val="bg1"/>
+              </a:solidFill>
+              <a:latin typeface="UD デジタル 教科書体 NP-R" panose="02020400000000000000" pitchFamily="18" charset="-128"/>
+              <a:ea typeface="UD デジタル 教科書体 NP-R" panose="02020400000000000000" pitchFamily="18" charset="-128"/>
+            </a:endParaRPr>
+          </a:p>
+          <a:p>
+            <a:r>
+              <a:rPr kumimoji="1" lang="ja-JP" altLang="en-US" sz="2000" dirty="0">
+                <a:ln w="6350">
+                  <a:noFill/>
+                </a:ln>
+                <a:solidFill>
+                  <a:schemeClr val="bg1"/>
+                </a:solidFill>
+                <a:latin typeface="UD デジタル 教科書体 NP-R" panose="02020400000000000000" pitchFamily="18" charset="-128"/>
+                <a:ea typeface="UD デジタル 教科書体 NP-R" panose="02020400000000000000" pitchFamily="18" charset="-128"/>
+              </a:rPr>
+              <a:t>ジャックと生きる木「タマシイ込めて」より、敵キャラの「ダークジャック」が参戦っ！</a:t>
+            </a:r>
+            <a:endParaRPr kumimoji="1" lang="en-US" altLang="ja-JP" sz="2000" dirty="0">
+              <a:ln w="6350">
+                <a:noFill/>
+              </a:ln>
+              <a:solidFill>
+                <a:schemeClr val="bg1"/>
+              </a:solidFill>
+              <a:latin typeface="UD デジタル 教科書体 NP-R" panose="02020400000000000000" pitchFamily="18" charset="-128"/>
+              <a:ea typeface="UD デジタル 教科書体 NP-R" panose="02020400000000000000" pitchFamily="18" charset="-128"/>
+            </a:endParaRPr>
+          </a:p>
+          <a:p>
+            <a:r>
+              <a:rPr kumimoji="1" lang="en-US" altLang="ja-JP" sz="2000" dirty="0">
+                <a:ln w="6350">
+                  <a:noFill/>
+                </a:ln>
+                <a:solidFill>
+                  <a:schemeClr val="bg1"/>
+                </a:solidFill>
+                <a:latin typeface="UD デジタル 教科書体 NP-R" panose="02020400000000000000" pitchFamily="18" charset="-128"/>
+                <a:ea typeface="UD デジタル 教科書体 NP-R" panose="02020400000000000000" pitchFamily="18" charset="-128"/>
+              </a:rPr>
+              <a:t>(</a:t>
+            </a:r>
+            <a:r>
+              <a:rPr kumimoji="1" lang="ja-JP" altLang="en-US" sz="2000" dirty="0">
+                <a:ln w="6350">
+                  <a:noFill/>
+                </a:ln>
+                <a:solidFill>
+                  <a:schemeClr val="bg1"/>
+                </a:solidFill>
+                <a:latin typeface="UD デジタル 教科書体 NP-R" panose="02020400000000000000" pitchFamily="18" charset="-128"/>
+                <a:ea typeface="UD デジタル 教科書体 NP-R" panose="02020400000000000000" pitchFamily="18" charset="-128"/>
+              </a:rPr>
+              <a:t>この言い方やだな</a:t>
+            </a:r>
+            <a:r>
+              <a:rPr kumimoji="1" lang="en-US" altLang="ja-JP" sz="2000" dirty="0">
+                <a:ln w="6350">
+                  <a:noFill/>
+                </a:ln>
+                <a:solidFill>
+                  <a:schemeClr val="bg1"/>
+                </a:solidFill>
+                <a:latin typeface="UD デジタル 教科書体 NP-R" panose="02020400000000000000" pitchFamily="18" charset="-128"/>
+                <a:ea typeface="UD デジタル 教科書体 NP-R" panose="02020400000000000000" pitchFamily="18" charset="-128"/>
+              </a:rPr>
+              <a:t>)</a:t>
+            </a:r>
+          </a:p>
+        </p:txBody>
+      </p:sp>
+      <p:pic>
+        <p:nvPicPr>
+          <p:cNvPr id="3" name="図 2">
+            <a:extLst>
+              <a:ext uri="{FF2B5EF4-FFF2-40B4-BE49-F238E27FC236}">
+                <a16:creationId xmlns:a16="http://schemas.microsoft.com/office/drawing/2014/main" id="{7756CE6F-3749-4B02-B3AB-23D1A3D7019A}"/>
+              </a:ext>
+            </a:extLst>
+          </p:cNvPr>
+          <p:cNvPicPr>
+            <a:picLocks noChangeAspect="1"/>
+          </p:cNvPicPr>
+          <p:nvPr/>
+        </p:nvPicPr>
+        <p:blipFill rotWithShape="1">
+          <a:blip r:embed="rId2">
+            <a:extLst>
+              <a:ext uri="{BEBA8EAE-BF5A-486C-A8C5-ECC9F3942E4B}">
+                <a14:imgProps xmlns:a14="http://schemas.microsoft.com/office/drawing/2010/main">
+                  <a14:imgLayer r:embed="rId3">
+                    <a14:imgEffect>
+                      <a14:brightnessContrast bright="20000"/>
+                    </a14:imgEffect>
+                  </a14:imgLayer>
+                </a14:imgProps>
+              </a:ext>
+              <a:ext uri="{28A0092B-C50C-407E-A947-70E740481C1C}">
+                <a14:useLocalDpi xmlns:a14="http://schemas.microsoft.com/office/drawing/2010/main" val="0"/>
+              </a:ext>
+            </a:extLst>
+          </a:blip>
+          <a:srcRect l="44309" t="25015" r="44920" b="28295"/>
+          <a:stretch/>
+        </p:blipFill>
+        <p:spPr>
+          <a:xfrm>
+            <a:off x="1003776" y="3365"/>
+            <a:ext cx="1952555" cy="3597085"/>
+          </a:xfrm>
+          <a:prstGeom prst="rect">
+            <a:avLst/>
+          </a:prstGeom>
+          <a:ln>
+            <a:noFill/>
+          </a:ln>
+          <a:effectLst>
+            <a:softEdge rad="112500"/>
+          </a:effectLst>
+        </p:spPr>
+      </p:pic>
+    </p:spTree>
+    <p:extLst>
+      <p:ext uri="{BB962C8B-B14F-4D97-AF65-F5344CB8AC3E}">
+        <p14:creationId xmlns:p14="http://schemas.microsoft.com/office/powerpoint/2010/main" val="3162848633"/>
+      </p:ext>
+    </p:extLst>
+  </p:cSld>
+  <p:clrMapOvr>
+    <a:masterClrMapping/>
+  </p:clrMapOvr>
+</p:sld>
+</file>
+
 <file path=ppt/slides/slide2.xml><?xml version="1.0" encoding="utf-8"?>
 <p:sld xmlns:a="http://schemas.openxmlformats.org/drawingml/2006/main" xmlns:r="http://schemas.openxmlformats.org/officeDocument/2006/relationships" xmlns:p="http://schemas.openxmlformats.org/presentationml/2006/main">
   <p:cSld>
@@ -4969,6 +5530,1959 @@
     <p:extLst>
       <p:ext uri="{BB962C8B-B14F-4D97-AF65-F5344CB8AC3E}">
         <p14:creationId xmlns:p14="http://schemas.microsoft.com/office/powerpoint/2010/main" val="3633391479"/>
+      </p:ext>
+    </p:extLst>
+  </p:cSld>
+  <p:clrMapOvr>
+    <a:masterClrMapping/>
+  </p:clrMapOvr>
+</p:sld>
+</file>
+
+<file path=ppt/slides/slide6.xml><?xml version="1.0" encoding="utf-8"?>
+<p:sld xmlns:a="http://schemas.openxmlformats.org/drawingml/2006/main" xmlns:r="http://schemas.openxmlformats.org/officeDocument/2006/relationships" xmlns:p="http://schemas.openxmlformats.org/presentationml/2006/main">
+  <p:cSld>
+    <p:spTree>
+      <p:nvGrpSpPr>
+        <p:cNvPr id="1" name=""/>
+        <p:cNvGrpSpPr/>
+        <p:nvPr/>
+      </p:nvGrpSpPr>
+      <p:grpSpPr>
+        <a:xfrm>
+          <a:off x="0" y="0"/>
+          <a:ext cx="0" cy="0"/>
+          <a:chOff x="0" y="0"/>
+          <a:chExt cx="0" cy="0"/>
+        </a:xfrm>
+      </p:grpSpPr>
+      <p:sp>
+        <p:nvSpPr>
+          <p:cNvPr id="34" name="正方形/長方形 33">
+            <a:extLst>
+              <a:ext uri="{FF2B5EF4-FFF2-40B4-BE49-F238E27FC236}">
+                <a16:creationId xmlns:a16="http://schemas.microsoft.com/office/drawing/2014/main" id="{1A8D8148-CBD7-4073-A31B-6BFF614D08AB}"/>
+              </a:ext>
+            </a:extLst>
+          </p:cNvPr>
+          <p:cNvSpPr/>
+          <p:nvPr/>
+        </p:nvSpPr>
+        <p:spPr>
+          <a:xfrm flipH="1">
+            <a:off x="0" y="0"/>
+            <a:ext cx="3641272" cy="3600450"/>
+          </a:xfrm>
+          <a:prstGeom prst="rect">
+            <a:avLst/>
+          </a:prstGeom>
+          <a:gradFill flip="none" rotWithShape="1">
+            <a:gsLst>
+              <a:gs pos="0">
+                <a:schemeClr val="tx1">
+                  <a:tint val="66000"/>
+                  <a:satMod val="160000"/>
+                  <a:lumMod val="70000"/>
+                  <a:lumOff val="30000"/>
+                </a:schemeClr>
+              </a:gs>
+              <a:gs pos="50000">
+                <a:schemeClr val="tx1">
+                  <a:tint val="44500"/>
+                  <a:satMod val="160000"/>
+                </a:schemeClr>
+              </a:gs>
+              <a:gs pos="100000">
+                <a:schemeClr val="tx1">
+                  <a:tint val="23500"/>
+                  <a:satMod val="160000"/>
+                </a:schemeClr>
+              </a:gs>
+            </a:gsLst>
+            <a:lin ang="16200000" scaled="1"/>
+            <a:tileRect/>
+          </a:gradFill>
+          <a:ln>
+            <a:noFill/>
+          </a:ln>
+        </p:spPr>
+        <p:style>
+          <a:lnRef idx="2">
+            <a:schemeClr val="accent1">
+              <a:shade val="50000"/>
+            </a:schemeClr>
+          </a:lnRef>
+          <a:fillRef idx="1">
+            <a:schemeClr val="accent1"/>
+          </a:fillRef>
+          <a:effectRef idx="0">
+            <a:schemeClr val="accent1"/>
+          </a:effectRef>
+          <a:fontRef idx="minor">
+            <a:schemeClr val="lt1"/>
+          </a:fontRef>
+        </p:style>
+        <p:txBody>
+          <a:bodyPr rtlCol="0" anchor="ctr"/>
+          <a:lstStyle/>
+          <a:p>
+            <a:pPr algn="ctr"/>
+            <a:endParaRPr kumimoji="1" lang="ja-JP" altLang="en-US"/>
+          </a:p>
+        </p:txBody>
+      </p:sp>
+      <p:pic>
+        <p:nvPicPr>
+          <p:cNvPr id="5" name="図 4">
+            <a:extLst>
+              <a:ext uri="{FF2B5EF4-FFF2-40B4-BE49-F238E27FC236}">
+                <a16:creationId xmlns:a16="http://schemas.microsoft.com/office/drawing/2014/main" id="{0D713162-5493-4CFE-AD08-08E38EB0ABA4}"/>
+              </a:ext>
+            </a:extLst>
+          </p:cNvPr>
+          <p:cNvPicPr>
+            <a:picLocks noChangeAspect="1"/>
+          </p:cNvPicPr>
+          <p:nvPr/>
+        </p:nvPicPr>
+        <p:blipFill>
+          <a:blip r:embed="rId2">
+            <a:extLst>
+              <a:ext uri="{28A0092B-C50C-407E-A947-70E740481C1C}">
+                <a14:useLocalDpi xmlns:a14="http://schemas.microsoft.com/office/drawing/2010/main" val="0"/>
+              </a:ext>
+            </a:extLst>
+          </a:blip>
+          <a:stretch>
+            <a:fillRect/>
+          </a:stretch>
+        </p:blipFill>
+        <p:spPr>
+          <a:xfrm>
+            <a:off x="735569" y="0"/>
+            <a:ext cx="2170134" cy="3600450"/>
+          </a:xfrm>
+          <a:prstGeom prst="rect">
+            <a:avLst/>
+          </a:prstGeom>
+        </p:spPr>
+      </p:pic>
+      <p:sp>
+        <p:nvSpPr>
+          <p:cNvPr id="7" name="正方形/長方形 6">
+            <a:extLst>
+              <a:ext uri="{FF2B5EF4-FFF2-40B4-BE49-F238E27FC236}">
+                <a16:creationId xmlns:a16="http://schemas.microsoft.com/office/drawing/2014/main" id="{A64A06B4-B843-44DC-AC05-24465D6AD392}"/>
+              </a:ext>
+            </a:extLst>
+          </p:cNvPr>
+          <p:cNvSpPr/>
+          <p:nvPr/>
+        </p:nvSpPr>
+        <p:spPr>
+          <a:xfrm flipH="1">
+            <a:off x="3641272" y="0"/>
+            <a:ext cx="5358266" cy="3600450"/>
+          </a:xfrm>
+          <a:prstGeom prst="rect">
+            <a:avLst/>
+          </a:prstGeom>
+          <a:gradFill flip="none" rotWithShape="1">
+            <a:gsLst>
+              <a:gs pos="0">
+                <a:schemeClr val="tx1">
+                  <a:tint val="66000"/>
+                  <a:satMod val="160000"/>
+                  <a:lumMod val="70000"/>
+                  <a:lumOff val="30000"/>
+                </a:schemeClr>
+              </a:gs>
+              <a:gs pos="50000">
+                <a:schemeClr val="tx1">
+                  <a:tint val="44500"/>
+                  <a:satMod val="160000"/>
+                </a:schemeClr>
+              </a:gs>
+              <a:gs pos="100000">
+                <a:schemeClr val="tx1">
+                  <a:tint val="23500"/>
+                  <a:satMod val="160000"/>
+                </a:schemeClr>
+              </a:gs>
+            </a:gsLst>
+            <a:lin ang="5400000" scaled="1"/>
+            <a:tileRect/>
+          </a:gradFill>
+          <a:ln>
+            <a:noFill/>
+          </a:ln>
+        </p:spPr>
+        <p:style>
+          <a:lnRef idx="2">
+            <a:schemeClr val="accent1">
+              <a:shade val="50000"/>
+            </a:schemeClr>
+          </a:lnRef>
+          <a:fillRef idx="1">
+            <a:schemeClr val="accent1"/>
+          </a:fillRef>
+          <a:effectRef idx="0">
+            <a:schemeClr val="accent1"/>
+          </a:effectRef>
+          <a:fontRef idx="minor">
+            <a:schemeClr val="lt1"/>
+          </a:fontRef>
+        </p:style>
+        <p:txBody>
+          <a:bodyPr rtlCol="0" anchor="ctr"/>
+          <a:lstStyle/>
+          <a:p>
+            <a:pPr algn="ctr"/>
+            <a:endParaRPr kumimoji="1" lang="ja-JP" altLang="en-US"/>
+          </a:p>
+        </p:txBody>
+      </p:sp>
+      <p:sp>
+        <p:nvSpPr>
+          <p:cNvPr id="10" name="テキスト ボックス 9">
+            <a:extLst>
+              <a:ext uri="{FF2B5EF4-FFF2-40B4-BE49-F238E27FC236}">
+                <a16:creationId xmlns:a16="http://schemas.microsoft.com/office/drawing/2014/main" id="{CAF70ADB-161F-4401-9714-B7853D5471E4}"/>
+              </a:ext>
+            </a:extLst>
+          </p:cNvPr>
+          <p:cNvSpPr txBox="1"/>
+          <p:nvPr/>
+        </p:nvSpPr>
+        <p:spPr>
+          <a:xfrm>
+            <a:off x="3641272" y="0"/>
+            <a:ext cx="5358266" cy="2862322"/>
+          </a:xfrm>
+          <a:prstGeom prst="rect">
+            <a:avLst/>
+          </a:prstGeom>
+          <a:noFill/>
+        </p:spPr>
+        <p:txBody>
+          <a:bodyPr wrap="square" rtlCol="0">
+            <a:spAutoFit/>
+          </a:bodyPr>
+          <a:lstStyle/>
+          <a:p>
+            <a:r>
+              <a:rPr kumimoji="1" lang="ja-JP" altLang="en-US" sz="2000" dirty="0">
+                <a:ln w="6350">
+                  <a:noFill/>
+                </a:ln>
+                <a:latin typeface="UD デジタル 教科書体 NP-R" panose="02020400000000000000" pitchFamily="18" charset="-128"/>
+                <a:ea typeface="UD デジタル 教科書体 NP-R" panose="02020400000000000000" pitchFamily="18" charset="-128"/>
+              </a:rPr>
+              <a:t>名前：ジャック</a:t>
+            </a:r>
+            <a:endParaRPr kumimoji="1" lang="en-US" altLang="ja-JP" sz="2000" dirty="0">
+              <a:ln w="6350">
+                <a:noFill/>
+              </a:ln>
+              <a:latin typeface="UD デジタル 教科書体 NP-R" panose="02020400000000000000" pitchFamily="18" charset="-128"/>
+              <a:ea typeface="UD デジタル 教科書体 NP-R" panose="02020400000000000000" pitchFamily="18" charset="-128"/>
+            </a:endParaRPr>
+          </a:p>
+          <a:p>
+            <a:r>
+              <a:rPr kumimoji="1" lang="ja-JP" altLang="en-US" sz="2000" dirty="0">
+                <a:ln w="6350">
+                  <a:noFill/>
+                </a:ln>
+                <a:latin typeface="UD デジタル 教科書体 NP-R" panose="02020400000000000000" pitchFamily="18" charset="-128"/>
+                <a:ea typeface="UD デジタル 教科書体 NP-R" panose="02020400000000000000" pitchFamily="18" charset="-128"/>
+              </a:rPr>
+              <a:t>キャラ種類：</a:t>
+            </a:r>
+            <a:r>
+              <a:rPr kumimoji="1" lang="en-US" altLang="ja-JP" sz="2000" dirty="0">
+                <a:ln w="6350">
+                  <a:noFill/>
+                </a:ln>
+                <a:latin typeface="UD デジタル 教科書体 NP-R" panose="02020400000000000000" pitchFamily="18" charset="-128"/>
+                <a:ea typeface="UD デジタル 教科書体 NP-R" panose="02020400000000000000" pitchFamily="18" charset="-128"/>
+              </a:rPr>
+              <a:t>The story of JLT</a:t>
+            </a:r>
+          </a:p>
+          <a:p>
+            <a:r>
+              <a:rPr kumimoji="1" lang="ja-JP" altLang="en-US" sz="2000" dirty="0">
+                <a:ln w="6350">
+                  <a:noFill/>
+                </a:ln>
+                <a:latin typeface="UD デジタル 教科書体 NP-R" panose="02020400000000000000" pitchFamily="18" charset="-128"/>
+                <a:ea typeface="UD デジタル 教科書体 NP-R" panose="02020400000000000000" pitchFamily="18" charset="-128"/>
+              </a:rPr>
+              <a:t>攻撃力：</a:t>
+            </a:r>
+            <a:r>
+              <a:rPr kumimoji="1" lang="en-US" altLang="ja-JP" sz="2000" dirty="0">
+                <a:ln w="6350">
+                  <a:noFill/>
+                </a:ln>
+                <a:latin typeface="UD デジタル 教科書体 NP-R" panose="02020400000000000000" pitchFamily="18" charset="-128"/>
+                <a:ea typeface="UD デジタル 教科書体 NP-R" panose="02020400000000000000" pitchFamily="18" charset="-128"/>
+              </a:rPr>
+              <a:t>20</a:t>
+            </a:r>
+          </a:p>
+          <a:p>
+            <a:r>
+              <a:rPr kumimoji="1" lang="ja-JP" altLang="en-US" sz="2000" dirty="0">
+                <a:ln w="6350">
+                  <a:noFill/>
+                </a:ln>
+                <a:latin typeface="UD デジタル 教科書体 NP-R" panose="02020400000000000000" pitchFamily="18" charset="-128"/>
+                <a:ea typeface="UD デジタル 教科書体 NP-R" panose="02020400000000000000" pitchFamily="18" charset="-128"/>
+              </a:rPr>
+              <a:t>防御力：</a:t>
+            </a:r>
+            <a:r>
+              <a:rPr kumimoji="1" lang="en-US" altLang="ja-JP" sz="2000" dirty="0">
+                <a:ln w="6350">
+                  <a:noFill/>
+                </a:ln>
+                <a:latin typeface="UD デジタル 教科書体 NP-R" panose="02020400000000000000" pitchFamily="18" charset="-128"/>
+                <a:ea typeface="UD デジタル 教科書体 NP-R" panose="02020400000000000000" pitchFamily="18" charset="-128"/>
+              </a:rPr>
+              <a:t>20</a:t>
+            </a:r>
+          </a:p>
+          <a:p>
+            <a:r>
+              <a:rPr kumimoji="1" lang="ja-JP" altLang="en-US" sz="2000" dirty="0">
+                <a:ln w="6350">
+                  <a:noFill/>
+                </a:ln>
+                <a:latin typeface="UD デジタル 教科書体 NP-R" panose="02020400000000000000" pitchFamily="18" charset="-128"/>
+                <a:ea typeface="UD デジタル 教科書体 NP-R" panose="02020400000000000000" pitchFamily="18" charset="-128"/>
+              </a:rPr>
+              <a:t>最大</a:t>
+            </a:r>
+            <a:r>
+              <a:rPr kumimoji="1" lang="en-US" altLang="ja-JP" sz="2000" dirty="0">
+                <a:ln w="6350">
+                  <a:noFill/>
+                </a:ln>
+                <a:latin typeface="UD デジタル 教科書体 NP-R" panose="02020400000000000000" pitchFamily="18" charset="-128"/>
+                <a:ea typeface="UD デジタル 教科書体 NP-R" panose="02020400000000000000" pitchFamily="18" charset="-128"/>
+              </a:rPr>
+              <a:t>HP</a:t>
+            </a:r>
+            <a:r>
+              <a:rPr kumimoji="1" lang="ja-JP" altLang="en-US" sz="2000" dirty="0">
+                <a:ln w="6350">
+                  <a:noFill/>
+                </a:ln>
+                <a:latin typeface="UD デジタル 教科書体 NP-R" panose="02020400000000000000" pitchFamily="18" charset="-128"/>
+                <a:ea typeface="UD デジタル 教科書体 NP-R" panose="02020400000000000000" pitchFamily="18" charset="-128"/>
+              </a:rPr>
+              <a:t>：</a:t>
+            </a:r>
+            <a:r>
+              <a:rPr kumimoji="1" lang="en-US" altLang="ja-JP" sz="2000" dirty="0">
+                <a:ln w="6350">
+                  <a:noFill/>
+                </a:ln>
+                <a:latin typeface="UD デジタル 教科書体 NP-R" panose="02020400000000000000" pitchFamily="18" charset="-128"/>
+                <a:ea typeface="UD デジタル 教科書体 NP-R" panose="02020400000000000000" pitchFamily="18" charset="-128"/>
+              </a:rPr>
+              <a:t>100</a:t>
+            </a:r>
+          </a:p>
+          <a:p>
+            <a:endParaRPr kumimoji="1" lang="en-US" altLang="ja-JP" sz="2000" dirty="0">
+              <a:ln w="6350">
+                <a:noFill/>
+              </a:ln>
+              <a:latin typeface="UD デジタル 教科書体 NP-R" panose="02020400000000000000" pitchFamily="18" charset="-128"/>
+              <a:ea typeface="UD デジタル 教科書体 NP-R" panose="02020400000000000000" pitchFamily="18" charset="-128"/>
+            </a:endParaRPr>
+          </a:p>
+          <a:p>
+            <a:r>
+              <a:rPr kumimoji="1" lang="ja-JP" altLang="en-US" sz="2000" dirty="0">
+                <a:ln w="6350">
+                  <a:noFill/>
+                </a:ln>
+                <a:latin typeface="UD デジタル 教科書体 NP-R" panose="02020400000000000000" pitchFamily="18" charset="-128"/>
+                <a:ea typeface="UD デジタル 教科書体 NP-R" panose="02020400000000000000" pitchFamily="18" charset="-128"/>
+              </a:rPr>
+              <a:t>・コメント</a:t>
+            </a:r>
+            <a:endParaRPr kumimoji="1" lang="en-US" altLang="ja-JP" sz="2000" dirty="0">
+              <a:ln w="6350">
+                <a:noFill/>
+              </a:ln>
+              <a:latin typeface="UD デジタル 教科書体 NP-R" panose="02020400000000000000" pitchFamily="18" charset="-128"/>
+              <a:ea typeface="UD デジタル 教科書体 NP-R" panose="02020400000000000000" pitchFamily="18" charset="-128"/>
+            </a:endParaRPr>
+          </a:p>
+          <a:p>
+            <a:r>
+              <a:rPr kumimoji="1" lang="ja-JP" altLang="en-US" sz="2000" dirty="0">
+                <a:ln w="6350">
+                  <a:noFill/>
+                </a:ln>
+                <a:latin typeface="UD デジタル 教科書体 NP-R" panose="02020400000000000000" pitchFamily="18" charset="-128"/>
+                <a:ea typeface="UD デジタル 教科書体 NP-R" panose="02020400000000000000" pitchFamily="18" charset="-128"/>
+              </a:rPr>
+              <a:t>ジャックと生きる木の主人公の一人。</a:t>
+            </a:r>
+            <a:endParaRPr kumimoji="1" lang="en-US" altLang="ja-JP" sz="2000" dirty="0">
+              <a:ln w="6350">
+                <a:noFill/>
+              </a:ln>
+              <a:latin typeface="UD デジタル 教科書体 NP-R" panose="02020400000000000000" pitchFamily="18" charset="-128"/>
+              <a:ea typeface="UD デジタル 教科書体 NP-R" panose="02020400000000000000" pitchFamily="18" charset="-128"/>
+            </a:endParaRPr>
+          </a:p>
+          <a:p>
+            <a:r>
+              <a:rPr kumimoji="1" lang="ja-JP" altLang="en-US" sz="2000" dirty="0">
+                <a:ln w="6350">
+                  <a:noFill/>
+                </a:ln>
+                <a:latin typeface="UD デジタル 教科書体 NP-R" panose="02020400000000000000" pitchFamily="18" charset="-128"/>
+                <a:ea typeface="UD デジタル 教科書体 NP-R" panose="02020400000000000000" pitchFamily="18" charset="-128"/>
+              </a:rPr>
+              <a:t>なんか色々と戦っている。</a:t>
+            </a:r>
+          </a:p>
+        </p:txBody>
+      </p:sp>
+    </p:spTree>
+    <p:extLst>
+      <p:ext uri="{BB962C8B-B14F-4D97-AF65-F5344CB8AC3E}">
+        <p14:creationId xmlns:p14="http://schemas.microsoft.com/office/powerpoint/2010/main" val="2971239073"/>
+      </p:ext>
+    </p:extLst>
+  </p:cSld>
+  <p:clrMapOvr>
+    <a:masterClrMapping/>
+  </p:clrMapOvr>
+</p:sld>
+</file>
+
+<file path=ppt/slides/slide7.xml><?xml version="1.0" encoding="utf-8"?>
+<p:sld xmlns:a="http://schemas.openxmlformats.org/drawingml/2006/main" xmlns:r="http://schemas.openxmlformats.org/officeDocument/2006/relationships" xmlns:p="http://schemas.openxmlformats.org/presentationml/2006/main">
+  <p:cSld>
+    <p:spTree>
+      <p:nvGrpSpPr>
+        <p:cNvPr id="1" name=""/>
+        <p:cNvGrpSpPr/>
+        <p:nvPr/>
+      </p:nvGrpSpPr>
+      <p:grpSpPr>
+        <a:xfrm>
+          <a:off x="0" y="0"/>
+          <a:ext cx="0" cy="0"/>
+          <a:chOff x="0" y="0"/>
+          <a:chExt cx="0" cy="0"/>
+        </a:xfrm>
+      </p:grpSpPr>
+      <p:sp>
+        <p:nvSpPr>
+          <p:cNvPr id="6" name="正方形/長方形 5">
+            <a:extLst>
+              <a:ext uri="{FF2B5EF4-FFF2-40B4-BE49-F238E27FC236}">
+                <a16:creationId xmlns:a16="http://schemas.microsoft.com/office/drawing/2014/main" id="{0951F2FB-DE8E-43BF-BA28-601CF5D9CCB5}"/>
+              </a:ext>
+            </a:extLst>
+          </p:cNvPr>
+          <p:cNvSpPr/>
+          <p:nvPr/>
+        </p:nvSpPr>
+        <p:spPr>
+          <a:xfrm flipH="1">
+            <a:off x="0" y="0"/>
+            <a:ext cx="3641272" cy="3600450"/>
+          </a:xfrm>
+          <a:prstGeom prst="rect">
+            <a:avLst/>
+          </a:prstGeom>
+          <a:gradFill flip="none" rotWithShape="1">
+            <a:gsLst>
+              <a:gs pos="0">
+                <a:schemeClr val="tx1">
+                  <a:tint val="66000"/>
+                  <a:satMod val="160000"/>
+                  <a:lumMod val="70000"/>
+                  <a:lumOff val="30000"/>
+                </a:schemeClr>
+              </a:gs>
+              <a:gs pos="50000">
+                <a:schemeClr val="tx1">
+                  <a:tint val="44500"/>
+                  <a:satMod val="160000"/>
+                </a:schemeClr>
+              </a:gs>
+              <a:gs pos="100000">
+                <a:schemeClr val="tx1">
+                  <a:tint val="23500"/>
+                  <a:satMod val="160000"/>
+                </a:schemeClr>
+              </a:gs>
+            </a:gsLst>
+            <a:lin ang="16200000" scaled="1"/>
+            <a:tileRect/>
+          </a:gradFill>
+          <a:ln>
+            <a:noFill/>
+          </a:ln>
+        </p:spPr>
+        <p:style>
+          <a:lnRef idx="2">
+            <a:schemeClr val="accent1">
+              <a:shade val="50000"/>
+            </a:schemeClr>
+          </a:lnRef>
+          <a:fillRef idx="1">
+            <a:schemeClr val="accent1"/>
+          </a:fillRef>
+          <a:effectRef idx="0">
+            <a:schemeClr val="accent1"/>
+          </a:effectRef>
+          <a:fontRef idx="minor">
+            <a:schemeClr val="lt1"/>
+          </a:fontRef>
+        </p:style>
+        <p:txBody>
+          <a:bodyPr rtlCol="0" anchor="ctr"/>
+          <a:lstStyle/>
+          <a:p>
+            <a:pPr algn="ctr"/>
+            <a:endParaRPr kumimoji="1" lang="ja-JP" altLang="en-US"/>
+          </a:p>
+        </p:txBody>
+      </p:sp>
+      <p:pic>
+        <p:nvPicPr>
+          <p:cNvPr id="5" name="図 4">
+            <a:extLst>
+              <a:ext uri="{FF2B5EF4-FFF2-40B4-BE49-F238E27FC236}">
+                <a16:creationId xmlns:a16="http://schemas.microsoft.com/office/drawing/2014/main" id="{0D713162-5493-4CFE-AD08-08E38EB0ABA4}"/>
+              </a:ext>
+            </a:extLst>
+          </p:cNvPr>
+          <p:cNvPicPr>
+            <a:picLocks noChangeAspect="1"/>
+          </p:cNvPicPr>
+          <p:nvPr/>
+        </p:nvPicPr>
+        <p:blipFill rotWithShape="1">
+          <a:blip r:embed="rId2">
+            <a:extLst>
+              <a:ext uri="{BEBA8EAE-BF5A-486C-A8C5-ECC9F3942E4B}">
+                <a14:imgProps xmlns:a14="http://schemas.microsoft.com/office/drawing/2010/main">
+                  <a14:imgLayer r:embed="rId3">
+                    <a14:imgEffect>
+                      <a14:backgroundRemoval t="15341" b="92045" l="15244" r="59146">
+                        <a14:foregroundMark x1="30488" y1="17898" x2="30488" y2="17898"/>
+                        <a14:foregroundMark x1="34756" y1="15341" x2="34756" y2="15341"/>
+                        <a14:foregroundMark x1="59146" y1="25852" x2="59146" y2="25852"/>
+                        <a14:foregroundMark x1="59756" y1="41193" x2="59756" y2="41193"/>
+                        <a14:foregroundMark x1="56098" y1="91761" x2="56098" y2="91761"/>
+                        <a14:foregroundMark x1="21037" y1="89205" x2="21037" y2="89205"/>
+                        <a14:foregroundMark x1="19207" y1="92045" x2="19207" y2="92045"/>
+                        <a14:foregroundMark x1="15549" y1="37784" x2="15549" y2="37784"/>
+                      </a14:backgroundRemoval>
+                    </a14:imgEffect>
+                  </a14:imgLayer>
+                </a14:imgProps>
+              </a:ext>
+              <a:ext uri="{28A0092B-C50C-407E-A947-70E740481C1C}">
+                <a14:useLocalDpi xmlns:a14="http://schemas.microsoft.com/office/drawing/2010/main" val="0"/>
+              </a:ext>
+            </a:extLst>
+          </a:blip>
+          <a:srcRect l="10096" t="10844" r="35668"/>
+          <a:stretch/>
+        </p:blipFill>
+        <p:spPr>
+          <a:xfrm>
+            <a:off x="681433" y="58648"/>
+            <a:ext cx="1974405" cy="3483154"/>
+          </a:xfrm>
+          <a:prstGeom prst="rect">
+            <a:avLst/>
+          </a:prstGeom>
+        </p:spPr>
+      </p:pic>
+      <p:sp>
+        <p:nvSpPr>
+          <p:cNvPr id="7" name="正方形/長方形 6">
+            <a:extLst>
+              <a:ext uri="{FF2B5EF4-FFF2-40B4-BE49-F238E27FC236}">
+                <a16:creationId xmlns:a16="http://schemas.microsoft.com/office/drawing/2014/main" id="{A64A06B4-B843-44DC-AC05-24465D6AD392}"/>
+              </a:ext>
+            </a:extLst>
+          </p:cNvPr>
+          <p:cNvSpPr/>
+          <p:nvPr/>
+        </p:nvSpPr>
+        <p:spPr>
+          <a:xfrm flipH="1">
+            <a:off x="3641272" y="0"/>
+            <a:ext cx="5358266" cy="3600450"/>
+          </a:xfrm>
+          <a:prstGeom prst="rect">
+            <a:avLst/>
+          </a:prstGeom>
+          <a:gradFill flip="none" rotWithShape="1">
+            <a:gsLst>
+              <a:gs pos="0">
+                <a:schemeClr val="tx1">
+                  <a:tint val="66000"/>
+                  <a:satMod val="160000"/>
+                  <a:lumMod val="70000"/>
+                  <a:lumOff val="30000"/>
+                </a:schemeClr>
+              </a:gs>
+              <a:gs pos="50000">
+                <a:schemeClr val="tx1">
+                  <a:tint val="44500"/>
+                  <a:satMod val="160000"/>
+                </a:schemeClr>
+              </a:gs>
+              <a:gs pos="100000">
+                <a:schemeClr val="tx1">
+                  <a:tint val="23500"/>
+                  <a:satMod val="160000"/>
+                </a:schemeClr>
+              </a:gs>
+            </a:gsLst>
+            <a:lin ang="5400000" scaled="1"/>
+            <a:tileRect/>
+          </a:gradFill>
+          <a:ln>
+            <a:noFill/>
+          </a:ln>
+        </p:spPr>
+        <p:style>
+          <a:lnRef idx="2">
+            <a:schemeClr val="accent1">
+              <a:shade val="50000"/>
+            </a:schemeClr>
+          </a:lnRef>
+          <a:fillRef idx="1">
+            <a:schemeClr val="accent1"/>
+          </a:fillRef>
+          <a:effectRef idx="0">
+            <a:schemeClr val="accent1"/>
+          </a:effectRef>
+          <a:fontRef idx="minor">
+            <a:schemeClr val="lt1"/>
+          </a:fontRef>
+        </p:style>
+        <p:txBody>
+          <a:bodyPr rtlCol="0" anchor="ctr"/>
+          <a:lstStyle/>
+          <a:p>
+            <a:pPr algn="ctr"/>
+            <a:endParaRPr kumimoji="1" lang="ja-JP" altLang="en-US"/>
+          </a:p>
+        </p:txBody>
+      </p:sp>
+      <p:sp>
+        <p:nvSpPr>
+          <p:cNvPr id="10" name="テキスト ボックス 9">
+            <a:extLst>
+              <a:ext uri="{FF2B5EF4-FFF2-40B4-BE49-F238E27FC236}">
+                <a16:creationId xmlns:a16="http://schemas.microsoft.com/office/drawing/2014/main" id="{CAF70ADB-161F-4401-9714-B7853D5471E4}"/>
+              </a:ext>
+            </a:extLst>
+          </p:cNvPr>
+          <p:cNvSpPr txBox="1"/>
+          <p:nvPr/>
+        </p:nvSpPr>
+        <p:spPr>
+          <a:xfrm>
+            <a:off x="3641272" y="0"/>
+            <a:ext cx="5358266" cy="2862322"/>
+          </a:xfrm>
+          <a:prstGeom prst="rect">
+            <a:avLst/>
+          </a:prstGeom>
+          <a:noFill/>
+        </p:spPr>
+        <p:txBody>
+          <a:bodyPr wrap="square" rtlCol="0">
+            <a:spAutoFit/>
+          </a:bodyPr>
+          <a:lstStyle/>
+          <a:p>
+            <a:r>
+              <a:rPr kumimoji="1" lang="ja-JP" altLang="en-US" sz="2000" dirty="0">
+                <a:ln w="6350">
+                  <a:noFill/>
+                </a:ln>
+                <a:latin typeface="UD デジタル 教科書体 NP-R" panose="02020400000000000000" pitchFamily="18" charset="-128"/>
+                <a:ea typeface="UD デジタル 教科書体 NP-R" panose="02020400000000000000" pitchFamily="18" charset="-128"/>
+              </a:rPr>
+              <a:t>名前：生きる木</a:t>
+            </a:r>
+            <a:endParaRPr kumimoji="1" lang="en-US" altLang="ja-JP" sz="2000" dirty="0">
+              <a:ln w="6350">
+                <a:noFill/>
+              </a:ln>
+              <a:latin typeface="UD デジタル 教科書体 NP-R" panose="02020400000000000000" pitchFamily="18" charset="-128"/>
+              <a:ea typeface="UD デジタル 教科書体 NP-R" panose="02020400000000000000" pitchFamily="18" charset="-128"/>
+            </a:endParaRPr>
+          </a:p>
+          <a:p>
+            <a:r>
+              <a:rPr kumimoji="1" lang="ja-JP" altLang="en-US" sz="2000" dirty="0">
+                <a:ln w="6350">
+                  <a:noFill/>
+                </a:ln>
+                <a:latin typeface="UD デジタル 教科書体 NP-R" panose="02020400000000000000" pitchFamily="18" charset="-128"/>
+                <a:ea typeface="UD デジタル 教科書体 NP-R" panose="02020400000000000000" pitchFamily="18" charset="-128"/>
+              </a:rPr>
+              <a:t>キャラ種類：</a:t>
+            </a:r>
+            <a:r>
+              <a:rPr kumimoji="1" lang="en-US" altLang="ja-JP" sz="2000" dirty="0">
+                <a:ln w="6350">
+                  <a:noFill/>
+                </a:ln>
+                <a:latin typeface="UD デジタル 教科書体 NP-R" panose="02020400000000000000" pitchFamily="18" charset="-128"/>
+                <a:ea typeface="UD デジタル 教科書体 NP-R" panose="02020400000000000000" pitchFamily="18" charset="-128"/>
+              </a:rPr>
+              <a:t>The story of JLT</a:t>
+            </a:r>
+          </a:p>
+          <a:p>
+            <a:r>
+              <a:rPr kumimoji="1" lang="ja-JP" altLang="en-US" sz="2000" dirty="0">
+                <a:ln w="6350">
+                  <a:noFill/>
+                </a:ln>
+                <a:latin typeface="UD デジタル 教科書体 NP-R" panose="02020400000000000000" pitchFamily="18" charset="-128"/>
+                <a:ea typeface="UD デジタル 教科書体 NP-R" panose="02020400000000000000" pitchFamily="18" charset="-128"/>
+              </a:rPr>
+              <a:t>攻撃力：</a:t>
+            </a:r>
+            <a:r>
+              <a:rPr kumimoji="1" lang="en-US" altLang="ja-JP" sz="2000" dirty="0">
+                <a:ln w="6350">
+                  <a:noFill/>
+                </a:ln>
+                <a:latin typeface="UD デジタル 教科書体 NP-R" panose="02020400000000000000" pitchFamily="18" charset="-128"/>
+                <a:ea typeface="UD デジタル 教科書体 NP-R" panose="02020400000000000000" pitchFamily="18" charset="-128"/>
+              </a:rPr>
+              <a:t>35</a:t>
+            </a:r>
+          </a:p>
+          <a:p>
+            <a:r>
+              <a:rPr kumimoji="1" lang="ja-JP" altLang="en-US" sz="2000" dirty="0">
+                <a:ln w="6350">
+                  <a:noFill/>
+                </a:ln>
+                <a:latin typeface="UD デジタル 教科書体 NP-R" panose="02020400000000000000" pitchFamily="18" charset="-128"/>
+                <a:ea typeface="UD デジタル 教科書体 NP-R" panose="02020400000000000000" pitchFamily="18" charset="-128"/>
+              </a:rPr>
+              <a:t>防御力：</a:t>
+            </a:r>
+            <a:r>
+              <a:rPr kumimoji="1" lang="en-US" altLang="ja-JP" sz="2000" dirty="0">
+                <a:ln w="6350">
+                  <a:noFill/>
+                </a:ln>
+                <a:latin typeface="UD デジタル 教科書体 NP-R" panose="02020400000000000000" pitchFamily="18" charset="-128"/>
+                <a:ea typeface="UD デジタル 教科書体 NP-R" panose="02020400000000000000" pitchFamily="18" charset="-128"/>
+              </a:rPr>
+              <a:t>15</a:t>
+            </a:r>
+          </a:p>
+          <a:p>
+            <a:r>
+              <a:rPr kumimoji="1" lang="ja-JP" altLang="en-US" sz="2000" dirty="0">
+                <a:ln w="6350">
+                  <a:noFill/>
+                </a:ln>
+                <a:latin typeface="UD デジタル 教科書体 NP-R" panose="02020400000000000000" pitchFamily="18" charset="-128"/>
+                <a:ea typeface="UD デジタル 教科書体 NP-R" panose="02020400000000000000" pitchFamily="18" charset="-128"/>
+              </a:rPr>
+              <a:t>最大</a:t>
+            </a:r>
+            <a:r>
+              <a:rPr kumimoji="1" lang="en-US" altLang="ja-JP" sz="2000" dirty="0">
+                <a:ln w="6350">
+                  <a:noFill/>
+                </a:ln>
+                <a:latin typeface="UD デジタル 教科書体 NP-R" panose="02020400000000000000" pitchFamily="18" charset="-128"/>
+                <a:ea typeface="UD デジタル 教科書体 NP-R" panose="02020400000000000000" pitchFamily="18" charset="-128"/>
+              </a:rPr>
+              <a:t>HP</a:t>
+            </a:r>
+            <a:r>
+              <a:rPr kumimoji="1" lang="ja-JP" altLang="en-US" sz="2000" dirty="0">
+                <a:ln w="6350">
+                  <a:noFill/>
+                </a:ln>
+                <a:latin typeface="UD デジタル 教科書体 NP-R" panose="02020400000000000000" pitchFamily="18" charset="-128"/>
+                <a:ea typeface="UD デジタル 教科書体 NP-R" panose="02020400000000000000" pitchFamily="18" charset="-128"/>
+              </a:rPr>
+              <a:t>：</a:t>
+            </a:r>
+            <a:r>
+              <a:rPr kumimoji="1" lang="en-US" altLang="ja-JP" sz="2000" dirty="0">
+                <a:ln w="6350">
+                  <a:noFill/>
+                </a:ln>
+                <a:latin typeface="UD デジタル 教科書体 NP-R" panose="02020400000000000000" pitchFamily="18" charset="-128"/>
+                <a:ea typeface="UD デジタル 教科書体 NP-R" panose="02020400000000000000" pitchFamily="18" charset="-128"/>
+              </a:rPr>
+              <a:t>150</a:t>
+            </a:r>
+          </a:p>
+          <a:p>
+            <a:endParaRPr kumimoji="1" lang="en-US" altLang="ja-JP" sz="2000" dirty="0">
+              <a:ln w="6350">
+                <a:noFill/>
+              </a:ln>
+              <a:latin typeface="UD デジタル 教科書体 NP-R" panose="02020400000000000000" pitchFamily="18" charset="-128"/>
+              <a:ea typeface="UD デジタル 教科書体 NP-R" panose="02020400000000000000" pitchFamily="18" charset="-128"/>
+            </a:endParaRPr>
+          </a:p>
+          <a:p>
+            <a:r>
+              <a:rPr kumimoji="1" lang="ja-JP" altLang="en-US" sz="2000" dirty="0">
+                <a:ln w="6350">
+                  <a:noFill/>
+                </a:ln>
+                <a:latin typeface="UD デジタル 教科書体 NP-R" panose="02020400000000000000" pitchFamily="18" charset="-128"/>
+                <a:ea typeface="UD デジタル 教科書体 NP-R" panose="02020400000000000000" pitchFamily="18" charset="-128"/>
+              </a:rPr>
+              <a:t>・コメント</a:t>
+            </a:r>
+            <a:endParaRPr kumimoji="1" lang="en-US" altLang="ja-JP" sz="2000" dirty="0">
+              <a:ln w="6350">
+                <a:noFill/>
+              </a:ln>
+              <a:latin typeface="UD デジタル 教科書体 NP-R" panose="02020400000000000000" pitchFamily="18" charset="-128"/>
+              <a:ea typeface="UD デジタル 教科書体 NP-R" panose="02020400000000000000" pitchFamily="18" charset="-128"/>
+            </a:endParaRPr>
+          </a:p>
+          <a:p>
+            <a:r>
+              <a:rPr kumimoji="1" lang="ja-JP" altLang="en-US" sz="2000" dirty="0">
+                <a:ln w="6350">
+                  <a:noFill/>
+                </a:ln>
+                <a:latin typeface="UD デジタル 教科書体 NP-R" panose="02020400000000000000" pitchFamily="18" charset="-128"/>
+                <a:ea typeface="UD デジタル 教科書体 NP-R" panose="02020400000000000000" pitchFamily="18" charset="-128"/>
+              </a:rPr>
+              <a:t>ジャックと生きる木の主人公の一人。</a:t>
+            </a:r>
+            <a:endParaRPr kumimoji="1" lang="en-US" altLang="ja-JP" sz="2000" dirty="0">
+              <a:ln w="6350">
+                <a:noFill/>
+              </a:ln>
+              <a:latin typeface="UD デジタル 教科書体 NP-R" panose="02020400000000000000" pitchFamily="18" charset="-128"/>
+              <a:ea typeface="UD デジタル 教科書体 NP-R" panose="02020400000000000000" pitchFamily="18" charset="-128"/>
+            </a:endParaRPr>
+          </a:p>
+          <a:p>
+            <a:r>
+              <a:rPr kumimoji="1" lang="ja-JP" altLang="en-US" sz="2000" dirty="0">
+                <a:ln w="6350">
+                  <a:noFill/>
+                </a:ln>
+                <a:latin typeface="UD デジタル 教科書体 NP-R" panose="02020400000000000000" pitchFamily="18" charset="-128"/>
+                <a:ea typeface="UD デジタル 教科書体 NP-R" panose="02020400000000000000" pitchFamily="18" charset="-128"/>
+              </a:rPr>
+              <a:t>なんかのんびりと生活している。</a:t>
+            </a:r>
+            <a:endParaRPr kumimoji="1" lang="en-US" altLang="ja-JP" sz="2000" dirty="0">
+              <a:ln w="6350">
+                <a:noFill/>
+              </a:ln>
+              <a:latin typeface="UD デジタル 教科書体 NP-R" panose="02020400000000000000" pitchFamily="18" charset="-128"/>
+              <a:ea typeface="UD デジタル 教科書体 NP-R" panose="02020400000000000000" pitchFamily="18" charset="-128"/>
+            </a:endParaRPr>
+          </a:p>
+        </p:txBody>
+      </p:sp>
+    </p:spTree>
+    <p:extLst>
+      <p:ext uri="{BB962C8B-B14F-4D97-AF65-F5344CB8AC3E}">
+        <p14:creationId xmlns:p14="http://schemas.microsoft.com/office/powerpoint/2010/main" val="3125578231"/>
+      </p:ext>
+    </p:extLst>
+  </p:cSld>
+  <p:clrMapOvr>
+    <a:masterClrMapping/>
+  </p:clrMapOvr>
+</p:sld>
+</file>
+
+<file path=ppt/slides/slide8.xml><?xml version="1.0" encoding="utf-8"?>
+<p:sld xmlns:a="http://schemas.openxmlformats.org/drawingml/2006/main" xmlns:r="http://schemas.openxmlformats.org/officeDocument/2006/relationships" xmlns:p="http://schemas.openxmlformats.org/presentationml/2006/main">
+  <p:cSld>
+    <p:spTree>
+      <p:nvGrpSpPr>
+        <p:cNvPr id="1" name=""/>
+        <p:cNvGrpSpPr/>
+        <p:nvPr/>
+      </p:nvGrpSpPr>
+      <p:grpSpPr>
+        <a:xfrm>
+          <a:off x="0" y="0"/>
+          <a:ext cx="0" cy="0"/>
+          <a:chOff x="0" y="0"/>
+          <a:chExt cx="0" cy="0"/>
+        </a:xfrm>
+      </p:grpSpPr>
+      <p:sp>
+        <p:nvSpPr>
+          <p:cNvPr id="8" name="正方形/長方形 7">
+            <a:extLst>
+              <a:ext uri="{FF2B5EF4-FFF2-40B4-BE49-F238E27FC236}">
+                <a16:creationId xmlns:a16="http://schemas.microsoft.com/office/drawing/2014/main" id="{F4924C5A-54DD-4565-8046-4AF0C84472B4}"/>
+              </a:ext>
+            </a:extLst>
+          </p:cNvPr>
+          <p:cNvSpPr/>
+          <p:nvPr/>
+        </p:nvSpPr>
+        <p:spPr>
+          <a:xfrm flipH="1">
+            <a:off x="0" y="0"/>
+            <a:ext cx="3641272" cy="3600450"/>
+          </a:xfrm>
+          <a:prstGeom prst="rect">
+            <a:avLst/>
+          </a:prstGeom>
+          <a:gradFill flip="none" rotWithShape="1">
+            <a:gsLst>
+              <a:gs pos="0">
+                <a:schemeClr val="accent4">
+                  <a:lumMod val="60000"/>
+                  <a:lumOff val="40000"/>
+                  <a:tint val="66000"/>
+                  <a:satMod val="160000"/>
+                </a:schemeClr>
+              </a:gs>
+              <a:gs pos="50000">
+                <a:schemeClr val="accent4">
+                  <a:lumMod val="60000"/>
+                  <a:lumOff val="40000"/>
+                  <a:tint val="44500"/>
+                  <a:satMod val="160000"/>
+                </a:schemeClr>
+              </a:gs>
+              <a:gs pos="100000">
+                <a:schemeClr val="accent4">
+                  <a:lumMod val="60000"/>
+                  <a:lumOff val="40000"/>
+                  <a:tint val="23500"/>
+                  <a:satMod val="160000"/>
+                </a:schemeClr>
+              </a:gs>
+            </a:gsLst>
+            <a:lin ang="16200000" scaled="1"/>
+            <a:tileRect/>
+          </a:gradFill>
+          <a:ln>
+            <a:noFill/>
+          </a:ln>
+        </p:spPr>
+        <p:style>
+          <a:lnRef idx="2">
+            <a:schemeClr val="accent1">
+              <a:shade val="50000"/>
+            </a:schemeClr>
+          </a:lnRef>
+          <a:fillRef idx="1">
+            <a:schemeClr val="accent1"/>
+          </a:fillRef>
+          <a:effectRef idx="0">
+            <a:schemeClr val="accent1"/>
+          </a:effectRef>
+          <a:fontRef idx="minor">
+            <a:schemeClr val="lt1"/>
+          </a:fontRef>
+        </p:style>
+        <p:txBody>
+          <a:bodyPr rtlCol="0" anchor="ctr"/>
+          <a:lstStyle/>
+          <a:p>
+            <a:pPr algn="ctr"/>
+            <a:endParaRPr kumimoji="1" lang="ja-JP" altLang="en-US"/>
+          </a:p>
+        </p:txBody>
+      </p:sp>
+      <p:sp>
+        <p:nvSpPr>
+          <p:cNvPr id="7" name="正方形/長方形 6">
+            <a:extLst>
+              <a:ext uri="{FF2B5EF4-FFF2-40B4-BE49-F238E27FC236}">
+                <a16:creationId xmlns:a16="http://schemas.microsoft.com/office/drawing/2014/main" id="{A64A06B4-B843-44DC-AC05-24465D6AD392}"/>
+              </a:ext>
+            </a:extLst>
+          </p:cNvPr>
+          <p:cNvSpPr/>
+          <p:nvPr/>
+        </p:nvSpPr>
+        <p:spPr>
+          <a:xfrm flipH="1">
+            <a:off x="3641272" y="0"/>
+            <a:ext cx="5358266" cy="3600450"/>
+          </a:xfrm>
+          <a:prstGeom prst="rect">
+            <a:avLst/>
+          </a:prstGeom>
+          <a:gradFill flip="none" rotWithShape="1">
+            <a:gsLst>
+              <a:gs pos="0">
+                <a:schemeClr val="accent4">
+                  <a:lumMod val="60000"/>
+                  <a:lumOff val="40000"/>
+                  <a:tint val="66000"/>
+                  <a:satMod val="160000"/>
+                </a:schemeClr>
+              </a:gs>
+              <a:gs pos="50000">
+                <a:schemeClr val="accent4">
+                  <a:lumMod val="60000"/>
+                  <a:lumOff val="40000"/>
+                  <a:tint val="44500"/>
+                  <a:satMod val="160000"/>
+                </a:schemeClr>
+              </a:gs>
+              <a:gs pos="100000">
+                <a:schemeClr val="accent4">
+                  <a:lumMod val="60000"/>
+                  <a:lumOff val="40000"/>
+                  <a:tint val="23500"/>
+                  <a:satMod val="160000"/>
+                </a:schemeClr>
+              </a:gs>
+            </a:gsLst>
+            <a:lin ang="5400000" scaled="1"/>
+            <a:tileRect/>
+          </a:gradFill>
+          <a:ln>
+            <a:noFill/>
+          </a:ln>
+        </p:spPr>
+        <p:style>
+          <a:lnRef idx="2">
+            <a:schemeClr val="accent1">
+              <a:shade val="50000"/>
+            </a:schemeClr>
+          </a:lnRef>
+          <a:fillRef idx="1">
+            <a:schemeClr val="accent1"/>
+          </a:fillRef>
+          <a:effectRef idx="0">
+            <a:schemeClr val="accent1"/>
+          </a:effectRef>
+          <a:fontRef idx="minor">
+            <a:schemeClr val="lt1"/>
+          </a:fontRef>
+        </p:style>
+        <p:txBody>
+          <a:bodyPr rtlCol="0" anchor="ctr"/>
+          <a:lstStyle/>
+          <a:p>
+            <a:pPr algn="ctr"/>
+            <a:endParaRPr kumimoji="1" lang="ja-JP" altLang="en-US"/>
+          </a:p>
+        </p:txBody>
+      </p:sp>
+      <p:sp>
+        <p:nvSpPr>
+          <p:cNvPr id="10" name="テキスト ボックス 9">
+            <a:extLst>
+              <a:ext uri="{FF2B5EF4-FFF2-40B4-BE49-F238E27FC236}">
+                <a16:creationId xmlns:a16="http://schemas.microsoft.com/office/drawing/2014/main" id="{CAF70ADB-161F-4401-9714-B7853D5471E4}"/>
+              </a:ext>
+            </a:extLst>
+          </p:cNvPr>
+          <p:cNvSpPr txBox="1"/>
+          <p:nvPr/>
+        </p:nvSpPr>
+        <p:spPr>
+          <a:xfrm>
+            <a:off x="3641272" y="0"/>
+            <a:ext cx="5358266" cy="2554545"/>
+          </a:xfrm>
+          <a:prstGeom prst="rect">
+            <a:avLst/>
+          </a:prstGeom>
+          <a:noFill/>
+        </p:spPr>
+        <p:txBody>
+          <a:bodyPr wrap="square" rtlCol="0">
+            <a:spAutoFit/>
+          </a:bodyPr>
+          <a:lstStyle/>
+          <a:p>
+            <a:r>
+              <a:rPr kumimoji="1" lang="ja-JP" altLang="en-US" sz="2000" dirty="0">
+                <a:ln w="6350">
+                  <a:noFill/>
+                </a:ln>
+                <a:latin typeface="UD デジタル 教科書体 NP-R" panose="02020400000000000000" pitchFamily="18" charset="-128"/>
+                <a:ea typeface="UD デジタル 教科書体 NP-R" panose="02020400000000000000" pitchFamily="18" charset="-128"/>
+              </a:rPr>
+              <a:t>名前：ひまわりたん</a:t>
+            </a:r>
+            <a:endParaRPr kumimoji="1" lang="en-US" altLang="ja-JP" sz="2000" dirty="0">
+              <a:ln w="6350">
+                <a:noFill/>
+              </a:ln>
+              <a:latin typeface="UD デジタル 教科書体 NP-R" panose="02020400000000000000" pitchFamily="18" charset="-128"/>
+              <a:ea typeface="UD デジタル 教科書体 NP-R" panose="02020400000000000000" pitchFamily="18" charset="-128"/>
+            </a:endParaRPr>
+          </a:p>
+          <a:p>
+            <a:r>
+              <a:rPr kumimoji="1" lang="ja-JP" altLang="en-US" sz="2000" dirty="0">
+                <a:ln w="6350">
+                  <a:noFill/>
+                </a:ln>
+                <a:latin typeface="UD デジタル 教科書体 NP-R" panose="02020400000000000000" pitchFamily="18" charset="-128"/>
+                <a:ea typeface="UD デジタル 教科書体 NP-R" panose="02020400000000000000" pitchFamily="18" charset="-128"/>
+              </a:rPr>
+              <a:t>キャラ種類：</a:t>
+            </a:r>
+            <a:r>
+              <a:rPr kumimoji="1" lang="en-US" altLang="ja-JP" sz="2000" dirty="0">
+                <a:ln w="6350">
+                  <a:noFill/>
+                </a:ln>
+                <a:latin typeface="UD デジタル 教科書体 NP-R" panose="02020400000000000000" pitchFamily="18" charset="-128"/>
+                <a:ea typeface="UD デジタル 教科書体 NP-R" panose="02020400000000000000" pitchFamily="18" charset="-128"/>
+              </a:rPr>
+              <a:t>The story of JLT</a:t>
+            </a:r>
+          </a:p>
+          <a:p>
+            <a:r>
+              <a:rPr kumimoji="1" lang="ja-JP" altLang="en-US" sz="2000" dirty="0">
+                <a:ln w="6350">
+                  <a:noFill/>
+                </a:ln>
+                <a:latin typeface="UD デジタル 教科書体 NP-R" panose="02020400000000000000" pitchFamily="18" charset="-128"/>
+                <a:ea typeface="UD デジタル 教科書体 NP-R" panose="02020400000000000000" pitchFamily="18" charset="-128"/>
+              </a:rPr>
+              <a:t>攻撃力：</a:t>
+            </a:r>
+            <a:r>
+              <a:rPr kumimoji="1" lang="en-US" altLang="ja-JP" sz="2000" dirty="0">
+                <a:ln w="6350">
+                  <a:noFill/>
+                </a:ln>
+                <a:latin typeface="UD デジタル 教科書体 NP-R" panose="02020400000000000000" pitchFamily="18" charset="-128"/>
+                <a:ea typeface="UD デジタル 教科書体 NP-R" panose="02020400000000000000" pitchFamily="18" charset="-128"/>
+              </a:rPr>
+              <a:t>10</a:t>
+            </a:r>
+          </a:p>
+          <a:p>
+            <a:r>
+              <a:rPr kumimoji="1" lang="ja-JP" altLang="en-US" sz="2000" dirty="0">
+                <a:ln w="6350">
+                  <a:noFill/>
+                </a:ln>
+                <a:latin typeface="UD デジタル 教科書体 NP-R" panose="02020400000000000000" pitchFamily="18" charset="-128"/>
+                <a:ea typeface="UD デジタル 教科書体 NP-R" panose="02020400000000000000" pitchFamily="18" charset="-128"/>
+              </a:rPr>
+              <a:t>防御力：</a:t>
+            </a:r>
+            <a:r>
+              <a:rPr kumimoji="1" lang="en-US" altLang="ja-JP" sz="2000" dirty="0">
+                <a:ln w="6350">
+                  <a:noFill/>
+                </a:ln>
+                <a:latin typeface="UD デジタル 教科書体 NP-R" panose="02020400000000000000" pitchFamily="18" charset="-128"/>
+                <a:ea typeface="UD デジタル 教科書体 NP-R" panose="02020400000000000000" pitchFamily="18" charset="-128"/>
+              </a:rPr>
+              <a:t>40</a:t>
+            </a:r>
+          </a:p>
+          <a:p>
+            <a:r>
+              <a:rPr kumimoji="1" lang="ja-JP" altLang="en-US" sz="2000" dirty="0">
+                <a:ln w="6350">
+                  <a:noFill/>
+                </a:ln>
+                <a:latin typeface="UD デジタル 教科書体 NP-R" panose="02020400000000000000" pitchFamily="18" charset="-128"/>
+                <a:ea typeface="UD デジタル 教科書体 NP-R" panose="02020400000000000000" pitchFamily="18" charset="-128"/>
+              </a:rPr>
+              <a:t>最大</a:t>
+            </a:r>
+            <a:r>
+              <a:rPr kumimoji="1" lang="en-US" altLang="ja-JP" sz="2000" dirty="0">
+                <a:ln w="6350">
+                  <a:noFill/>
+                </a:ln>
+                <a:latin typeface="UD デジタル 教科書体 NP-R" panose="02020400000000000000" pitchFamily="18" charset="-128"/>
+                <a:ea typeface="UD デジタル 教科書体 NP-R" panose="02020400000000000000" pitchFamily="18" charset="-128"/>
+              </a:rPr>
+              <a:t>HP</a:t>
+            </a:r>
+            <a:r>
+              <a:rPr kumimoji="1" lang="ja-JP" altLang="en-US" sz="2000" dirty="0">
+                <a:ln w="6350">
+                  <a:noFill/>
+                </a:ln>
+                <a:latin typeface="UD デジタル 教科書体 NP-R" panose="02020400000000000000" pitchFamily="18" charset="-128"/>
+                <a:ea typeface="UD デジタル 教科書体 NP-R" panose="02020400000000000000" pitchFamily="18" charset="-128"/>
+              </a:rPr>
+              <a:t>：</a:t>
+            </a:r>
+            <a:r>
+              <a:rPr kumimoji="1" lang="en-US" altLang="ja-JP" sz="2000" dirty="0">
+                <a:ln w="6350">
+                  <a:noFill/>
+                </a:ln>
+                <a:latin typeface="UD デジタル 教科書体 NP-R" panose="02020400000000000000" pitchFamily="18" charset="-128"/>
+                <a:ea typeface="UD デジタル 教科書体 NP-R" panose="02020400000000000000" pitchFamily="18" charset="-128"/>
+              </a:rPr>
+              <a:t>180</a:t>
+            </a:r>
+          </a:p>
+          <a:p>
+            <a:endParaRPr kumimoji="1" lang="en-US" altLang="ja-JP" sz="2000" dirty="0">
+              <a:ln w="6350">
+                <a:noFill/>
+              </a:ln>
+              <a:latin typeface="UD デジタル 教科書体 NP-R" panose="02020400000000000000" pitchFamily="18" charset="-128"/>
+              <a:ea typeface="UD デジタル 教科書体 NP-R" panose="02020400000000000000" pitchFamily="18" charset="-128"/>
+            </a:endParaRPr>
+          </a:p>
+          <a:p>
+            <a:r>
+              <a:rPr kumimoji="1" lang="ja-JP" altLang="en-US" sz="2000" dirty="0">
+                <a:ln w="6350">
+                  <a:noFill/>
+                </a:ln>
+                <a:latin typeface="UD デジタル 教科書体 NP-R" panose="02020400000000000000" pitchFamily="18" charset="-128"/>
+                <a:ea typeface="UD デジタル 教科書体 NP-R" panose="02020400000000000000" pitchFamily="18" charset="-128"/>
+              </a:rPr>
+              <a:t>・コメント</a:t>
+            </a:r>
+            <a:endParaRPr kumimoji="1" lang="en-US" altLang="ja-JP" sz="2000" dirty="0">
+              <a:ln w="6350">
+                <a:noFill/>
+              </a:ln>
+              <a:latin typeface="UD デジタル 教科書体 NP-R" panose="02020400000000000000" pitchFamily="18" charset="-128"/>
+              <a:ea typeface="UD デジタル 教科書体 NP-R" panose="02020400000000000000" pitchFamily="18" charset="-128"/>
+            </a:endParaRPr>
+          </a:p>
+          <a:p>
+            <a:r>
+              <a:rPr kumimoji="1" lang="ja-JP" altLang="en-US" sz="2000" dirty="0">
+                <a:ln w="6350">
+                  <a:noFill/>
+                </a:ln>
+                <a:latin typeface="UD デジタル 教科書体 NP-R" panose="02020400000000000000" pitchFamily="18" charset="-128"/>
+                <a:ea typeface="UD デジタル 教科書体 NP-R" panose="02020400000000000000" pitchFamily="18" charset="-128"/>
+              </a:rPr>
+              <a:t>植物科のエンジニア的な人</a:t>
+            </a:r>
+            <a:r>
+              <a:rPr kumimoji="1" lang="en-US" altLang="ja-JP" sz="2000" dirty="0">
+                <a:ln w="6350">
+                  <a:noFill/>
+                </a:ln>
+                <a:latin typeface="UD デジタル 教科書体 NP-R" panose="02020400000000000000" pitchFamily="18" charset="-128"/>
+                <a:ea typeface="UD デジタル 教科書体 NP-R" panose="02020400000000000000" pitchFamily="18" charset="-128"/>
+              </a:rPr>
+              <a:t>…</a:t>
+            </a:r>
+            <a:r>
+              <a:rPr kumimoji="1" lang="ja-JP" altLang="en-US" sz="2000" dirty="0">
+                <a:ln w="6350">
+                  <a:noFill/>
+                </a:ln>
+                <a:latin typeface="UD デジタル 教科書体 NP-R" panose="02020400000000000000" pitchFamily="18" charset="-128"/>
+                <a:ea typeface="UD デジタル 教科書体 NP-R" panose="02020400000000000000" pitchFamily="18" charset="-128"/>
+              </a:rPr>
+              <a:t>いや花。</a:t>
+            </a:r>
+            <a:endParaRPr kumimoji="1" lang="en-US" altLang="ja-JP" sz="2000" dirty="0">
+              <a:ln w="6350">
+                <a:noFill/>
+              </a:ln>
+              <a:latin typeface="UD デジタル 教科書体 NP-R" panose="02020400000000000000" pitchFamily="18" charset="-128"/>
+              <a:ea typeface="UD デジタル 教科書体 NP-R" panose="02020400000000000000" pitchFamily="18" charset="-128"/>
+            </a:endParaRPr>
+          </a:p>
+        </p:txBody>
+      </p:sp>
+      <p:pic>
+        <p:nvPicPr>
+          <p:cNvPr id="3" name="図 2">
+            <a:extLst>
+              <a:ext uri="{FF2B5EF4-FFF2-40B4-BE49-F238E27FC236}">
+                <a16:creationId xmlns:a16="http://schemas.microsoft.com/office/drawing/2014/main" id="{741A0302-8A02-48C1-92A6-47397B39CB9F}"/>
+              </a:ext>
+            </a:extLst>
+          </p:cNvPr>
+          <p:cNvPicPr>
+            <a:picLocks noChangeAspect="1"/>
+          </p:cNvPicPr>
+          <p:nvPr/>
+        </p:nvPicPr>
+        <p:blipFill rotWithShape="1">
+          <a:blip r:embed="rId2">
+            <a:clrChange>
+              <a:clrFrom>
+                <a:srgbClr val="FFFFFF"/>
+              </a:clrFrom>
+              <a:clrTo>
+                <a:srgbClr val="FFFFFF">
+                  <a:alpha val="0"/>
+                </a:srgbClr>
+              </a:clrTo>
+            </a:clrChange>
+            <a:extLst>
+              <a:ext uri="{BEBA8EAE-BF5A-486C-A8C5-ECC9F3942E4B}">
+                <a14:imgProps xmlns:a14="http://schemas.microsoft.com/office/drawing/2010/main">
+                  <a14:imgLayer r:embed="rId3">
+                    <a14:imgEffect>
+                      <a14:artisticPhotocopy/>
+                    </a14:imgEffect>
+                    <a14:imgEffect>
+                      <a14:brightnessContrast bright="20000" contrast="-40000"/>
+                    </a14:imgEffect>
+                  </a14:imgLayer>
+                </a14:imgProps>
+              </a:ext>
+              <a:ext uri="{28A0092B-C50C-407E-A947-70E740481C1C}">
+                <a14:useLocalDpi xmlns:a14="http://schemas.microsoft.com/office/drawing/2010/main" val="0"/>
+              </a:ext>
+            </a:extLst>
+          </a:blip>
+          <a:srcRect r="1039"/>
+          <a:stretch/>
+        </p:blipFill>
+        <p:spPr>
+          <a:xfrm>
+            <a:off x="520503" y="519112"/>
+            <a:ext cx="2676985" cy="2562225"/>
+          </a:xfrm>
+          <a:prstGeom prst="rect">
+            <a:avLst/>
+          </a:prstGeom>
+        </p:spPr>
+      </p:pic>
+    </p:spTree>
+    <p:extLst>
+      <p:ext uri="{BB962C8B-B14F-4D97-AF65-F5344CB8AC3E}">
+        <p14:creationId xmlns:p14="http://schemas.microsoft.com/office/powerpoint/2010/main" val="1732238230"/>
+      </p:ext>
+    </p:extLst>
+  </p:cSld>
+  <p:clrMapOvr>
+    <a:masterClrMapping/>
+  </p:clrMapOvr>
+</p:sld>
+</file>
+
+<file path=ppt/slides/slide9.xml><?xml version="1.0" encoding="utf-8"?>
+<p:sld xmlns:a="http://schemas.openxmlformats.org/drawingml/2006/main" xmlns:r="http://schemas.openxmlformats.org/officeDocument/2006/relationships" xmlns:p="http://schemas.openxmlformats.org/presentationml/2006/main">
+  <p:cSld>
+    <p:spTree>
+      <p:nvGrpSpPr>
+        <p:cNvPr id="1" name=""/>
+        <p:cNvGrpSpPr/>
+        <p:nvPr/>
+      </p:nvGrpSpPr>
+      <p:grpSpPr>
+        <a:xfrm>
+          <a:off x="0" y="0"/>
+          <a:ext cx="0" cy="0"/>
+          <a:chOff x="0" y="0"/>
+          <a:chExt cx="0" cy="0"/>
+        </a:xfrm>
+      </p:grpSpPr>
+      <p:sp>
+        <p:nvSpPr>
+          <p:cNvPr id="7" name="正方形/長方形 6">
+            <a:extLst>
+              <a:ext uri="{FF2B5EF4-FFF2-40B4-BE49-F238E27FC236}">
+                <a16:creationId xmlns:a16="http://schemas.microsoft.com/office/drawing/2014/main" id="{A64A06B4-B843-44DC-AC05-24465D6AD392}"/>
+              </a:ext>
+            </a:extLst>
+          </p:cNvPr>
+          <p:cNvSpPr/>
+          <p:nvPr/>
+        </p:nvSpPr>
+        <p:spPr>
+          <a:xfrm flipH="1">
+            <a:off x="3641272" y="0"/>
+            <a:ext cx="5358266" cy="3600450"/>
+          </a:xfrm>
+          <a:prstGeom prst="rect">
+            <a:avLst/>
+          </a:prstGeom>
+          <a:gradFill flip="none" rotWithShape="1">
+            <a:gsLst>
+              <a:gs pos="0">
+                <a:schemeClr val="tx2">
+                  <a:lumMod val="60000"/>
+                  <a:lumOff val="40000"/>
+                  <a:tint val="66000"/>
+                  <a:satMod val="160000"/>
+                </a:schemeClr>
+              </a:gs>
+              <a:gs pos="50000">
+                <a:schemeClr val="tx2">
+                  <a:lumMod val="60000"/>
+                  <a:lumOff val="40000"/>
+                  <a:tint val="44500"/>
+                  <a:satMod val="160000"/>
+                </a:schemeClr>
+              </a:gs>
+              <a:gs pos="100000">
+                <a:schemeClr val="tx2">
+                  <a:lumMod val="60000"/>
+                  <a:lumOff val="40000"/>
+                  <a:tint val="23500"/>
+                  <a:satMod val="160000"/>
+                </a:schemeClr>
+              </a:gs>
+            </a:gsLst>
+            <a:lin ang="5400000" scaled="1"/>
+            <a:tileRect/>
+          </a:gradFill>
+          <a:ln>
+            <a:noFill/>
+          </a:ln>
+        </p:spPr>
+        <p:style>
+          <a:lnRef idx="2">
+            <a:schemeClr val="accent1">
+              <a:shade val="50000"/>
+            </a:schemeClr>
+          </a:lnRef>
+          <a:fillRef idx="1">
+            <a:schemeClr val="accent1"/>
+          </a:fillRef>
+          <a:effectRef idx="0">
+            <a:schemeClr val="accent1"/>
+          </a:effectRef>
+          <a:fontRef idx="minor">
+            <a:schemeClr val="lt1"/>
+          </a:fontRef>
+        </p:style>
+        <p:txBody>
+          <a:bodyPr rtlCol="0" anchor="ctr"/>
+          <a:lstStyle/>
+          <a:p>
+            <a:pPr algn="ctr"/>
+            <a:endParaRPr kumimoji="1" lang="ja-JP" altLang="en-US"/>
+          </a:p>
+        </p:txBody>
+      </p:sp>
+      <p:sp>
+        <p:nvSpPr>
+          <p:cNvPr id="10" name="テキスト ボックス 9">
+            <a:extLst>
+              <a:ext uri="{FF2B5EF4-FFF2-40B4-BE49-F238E27FC236}">
+                <a16:creationId xmlns:a16="http://schemas.microsoft.com/office/drawing/2014/main" id="{CAF70ADB-161F-4401-9714-B7853D5471E4}"/>
+              </a:ext>
+            </a:extLst>
+          </p:cNvPr>
+          <p:cNvSpPr txBox="1"/>
+          <p:nvPr/>
+        </p:nvSpPr>
+        <p:spPr>
+          <a:xfrm>
+            <a:off x="3641272" y="0"/>
+            <a:ext cx="5358266" cy="3170099"/>
+          </a:xfrm>
+          <a:prstGeom prst="rect">
+            <a:avLst/>
+          </a:prstGeom>
+          <a:noFill/>
+        </p:spPr>
+        <p:txBody>
+          <a:bodyPr wrap="square" rtlCol="0">
+            <a:spAutoFit/>
+          </a:bodyPr>
+          <a:lstStyle/>
+          <a:p>
+            <a:r>
+              <a:rPr kumimoji="1" lang="ja-JP" altLang="en-US" sz="2000" dirty="0">
+                <a:ln w="6350">
+                  <a:noFill/>
+                </a:ln>
+                <a:latin typeface="UD デジタル 教科書体 NP-R" panose="02020400000000000000" pitchFamily="18" charset="-128"/>
+                <a:ea typeface="UD デジタル 教科書体 NP-R" panose="02020400000000000000" pitchFamily="18" charset="-128"/>
+              </a:rPr>
+              <a:t>名前：</a:t>
+            </a:r>
+            <a:r>
+              <a:rPr kumimoji="1" lang="en-US" altLang="ja-JP" sz="2000" dirty="0">
+                <a:ln w="6350">
+                  <a:noFill/>
+                </a:ln>
+                <a:latin typeface="UD デジタル 教科書体 NP-R" panose="02020400000000000000" pitchFamily="18" charset="-128"/>
+                <a:ea typeface="UD デジタル 教科書体 NP-R" panose="02020400000000000000" pitchFamily="18" charset="-128"/>
+              </a:rPr>
+              <a:t>16</a:t>
+            </a:r>
+            <a:r>
+              <a:rPr kumimoji="1" lang="ja-JP" altLang="en-US" sz="2000" dirty="0">
+                <a:ln w="6350">
+                  <a:noFill/>
+                </a:ln>
+                <a:latin typeface="UD デジタル 教科書体 NP-R" panose="02020400000000000000" pitchFamily="18" charset="-128"/>
+                <a:ea typeface="UD デジタル 教科書体 NP-R" panose="02020400000000000000" pitchFamily="18" charset="-128"/>
+              </a:rPr>
+              <a:t>番ちゃん</a:t>
+            </a:r>
+            <a:endParaRPr kumimoji="1" lang="en-US" altLang="ja-JP" sz="2000" dirty="0">
+              <a:ln w="6350">
+                <a:noFill/>
+              </a:ln>
+              <a:latin typeface="UD デジタル 教科書体 NP-R" panose="02020400000000000000" pitchFamily="18" charset="-128"/>
+              <a:ea typeface="UD デジタル 教科書体 NP-R" panose="02020400000000000000" pitchFamily="18" charset="-128"/>
+            </a:endParaRPr>
+          </a:p>
+          <a:p>
+            <a:r>
+              <a:rPr kumimoji="1" lang="ja-JP" altLang="en-US" sz="2000" dirty="0">
+                <a:ln w="6350">
+                  <a:noFill/>
+                </a:ln>
+                <a:latin typeface="UD デジタル 教科書体 NP-R" panose="02020400000000000000" pitchFamily="18" charset="-128"/>
+                <a:ea typeface="UD デジタル 教科書体 NP-R" panose="02020400000000000000" pitchFamily="18" charset="-128"/>
+              </a:rPr>
+              <a:t>キャラ種類：</a:t>
+            </a:r>
+            <a:r>
+              <a:rPr kumimoji="1" lang="en-US" altLang="ja-JP" sz="2000" dirty="0">
+                <a:ln w="6350">
+                  <a:noFill/>
+                </a:ln>
+                <a:latin typeface="UD デジタル 教科書体 NP-R" panose="02020400000000000000" pitchFamily="18" charset="-128"/>
+                <a:ea typeface="UD デジタル 教科書体 NP-R" panose="02020400000000000000" pitchFamily="18" charset="-128"/>
+              </a:rPr>
+              <a:t>SDGs </a:t>
+            </a:r>
+            <a:r>
+              <a:rPr kumimoji="1" lang="ja-JP" altLang="en-US" sz="2000" dirty="0">
+                <a:ln w="6350">
+                  <a:noFill/>
+                </a:ln>
+                <a:latin typeface="UD デジタル 教科書体 NP-R" panose="02020400000000000000" pitchFamily="18" charset="-128"/>
+                <a:ea typeface="UD デジタル 教科書体 NP-R" panose="02020400000000000000" pitchFamily="18" charset="-128"/>
+              </a:rPr>
+              <a:t>応援ガールズ</a:t>
+            </a:r>
+            <a:endParaRPr kumimoji="1" lang="en-US" altLang="ja-JP" sz="2000" dirty="0">
+              <a:ln w="6350">
+                <a:noFill/>
+              </a:ln>
+              <a:latin typeface="UD デジタル 教科書体 NP-R" panose="02020400000000000000" pitchFamily="18" charset="-128"/>
+              <a:ea typeface="UD デジタル 教科書体 NP-R" panose="02020400000000000000" pitchFamily="18" charset="-128"/>
+            </a:endParaRPr>
+          </a:p>
+          <a:p>
+            <a:r>
+              <a:rPr kumimoji="1" lang="ja-JP" altLang="en-US" sz="2000" dirty="0">
+                <a:ln w="6350">
+                  <a:noFill/>
+                </a:ln>
+                <a:latin typeface="UD デジタル 教科書体 NP-R" panose="02020400000000000000" pitchFamily="18" charset="-128"/>
+                <a:ea typeface="UD デジタル 教科書体 NP-R" panose="02020400000000000000" pitchFamily="18" charset="-128"/>
+              </a:rPr>
+              <a:t>攻撃力：</a:t>
+            </a:r>
+            <a:r>
+              <a:rPr kumimoji="1" lang="en-US" altLang="ja-JP" sz="2000" dirty="0">
+                <a:ln w="6350">
+                  <a:noFill/>
+                </a:ln>
+                <a:latin typeface="UD デジタル 教科書体 NP-R" panose="02020400000000000000" pitchFamily="18" charset="-128"/>
+                <a:ea typeface="UD デジタル 教科書体 NP-R" panose="02020400000000000000" pitchFamily="18" charset="-128"/>
+              </a:rPr>
+              <a:t>45</a:t>
+            </a:r>
+          </a:p>
+          <a:p>
+            <a:r>
+              <a:rPr kumimoji="1" lang="ja-JP" altLang="en-US" sz="2000" dirty="0">
+                <a:ln w="6350">
+                  <a:noFill/>
+                </a:ln>
+                <a:latin typeface="UD デジタル 教科書体 NP-R" panose="02020400000000000000" pitchFamily="18" charset="-128"/>
+                <a:ea typeface="UD デジタル 教科書体 NP-R" panose="02020400000000000000" pitchFamily="18" charset="-128"/>
+              </a:rPr>
+              <a:t>防御力：</a:t>
+            </a:r>
+            <a:r>
+              <a:rPr kumimoji="1" lang="en-US" altLang="ja-JP" sz="2000" dirty="0">
+                <a:ln w="6350">
+                  <a:noFill/>
+                </a:ln>
+                <a:latin typeface="UD デジタル 教科書体 NP-R" panose="02020400000000000000" pitchFamily="18" charset="-128"/>
+                <a:ea typeface="UD デジタル 教科書体 NP-R" panose="02020400000000000000" pitchFamily="18" charset="-128"/>
+              </a:rPr>
+              <a:t>60</a:t>
+            </a:r>
+          </a:p>
+          <a:p>
+            <a:r>
+              <a:rPr kumimoji="1" lang="ja-JP" altLang="en-US" sz="2000" dirty="0">
+                <a:ln w="6350">
+                  <a:noFill/>
+                </a:ln>
+                <a:latin typeface="UD デジタル 教科書体 NP-R" panose="02020400000000000000" pitchFamily="18" charset="-128"/>
+                <a:ea typeface="UD デジタル 教科書体 NP-R" panose="02020400000000000000" pitchFamily="18" charset="-128"/>
+              </a:rPr>
+              <a:t>最大</a:t>
+            </a:r>
+            <a:r>
+              <a:rPr kumimoji="1" lang="en-US" altLang="ja-JP" sz="2000" dirty="0">
+                <a:ln w="6350">
+                  <a:noFill/>
+                </a:ln>
+                <a:latin typeface="UD デジタル 教科書体 NP-R" panose="02020400000000000000" pitchFamily="18" charset="-128"/>
+                <a:ea typeface="UD デジタル 教科書体 NP-R" panose="02020400000000000000" pitchFamily="18" charset="-128"/>
+              </a:rPr>
+              <a:t>HP</a:t>
+            </a:r>
+            <a:r>
+              <a:rPr kumimoji="1" lang="ja-JP" altLang="en-US" sz="2000" dirty="0">
+                <a:ln w="6350">
+                  <a:noFill/>
+                </a:ln>
+                <a:latin typeface="UD デジタル 教科書体 NP-R" panose="02020400000000000000" pitchFamily="18" charset="-128"/>
+                <a:ea typeface="UD デジタル 教科書体 NP-R" panose="02020400000000000000" pitchFamily="18" charset="-128"/>
+              </a:rPr>
+              <a:t>：</a:t>
+            </a:r>
+            <a:r>
+              <a:rPr kumimoji="1" lang="en-US" altLang="ja-JP" sz="2000" dirty="0">
+                <a:ln w="6350">
+                  <a:noFill/>
+                </a:ln>
+                <a:latin typeface="UD デジタル 教科書体 NP-R" panose="02020400000000000000" pitchFamily="18" charset="-128"/>
+                <a:ea typeface="UD デジタル 教科書体 NP-R" panose="02020400000000000000" pitchFamily="18" charset="-128"/>
+              </a:rPr>
+              <a:t>156</a:t>
+            </a:r>
+          </a:p>
+          <a:p>
+            <a:endParaRPr kumimoji="1" lang="en-US" altLang="ja-JP" sz="2000" dirty="0">
+              <a:ln w="6350">
+                <a:noFill/>
+              </a:ln>
+              <a:latin typeface="UD デジタル 教科書体 NP-R" panose="02020400000000000000" pitchFamily="18" charset="-128"/>
+              <a:ea typeface="UD デジタル 教科書体 NP-R" panose="02020400000000000000" pitchFamily="18" charset="-128"/>
+            </a:endParaRPr>
+          </a:p>
+          <a:p>
+            <a:r>
+              <a:rPr kumimoji="1" lang="ja-JP" altLang="en-US" sz="2000" dirty="0">
+                <a:ln w="6350">
+                  <a:noFill/>
+                </a:ln>
+                <a:latin typeface="UD デジタル 教科書体 NP-R" panose="02020400000000000000" pitchFamily="18" charset="-128"/>
+                <a:ea typeface="UD デジタル 教科書体 NP-R" panose="02020400000000000000" pitchFamily="18" charset="-128"/>
+              </a:rPr>
+              <a:t>・コメント</a:t>
+            </a:r>
+            <a:endParaRPr kumimoji="1" lang="en-US" altLang="ja-JP" sz="2000" dirty="0">
+              <a:ln w="6350">
+                <a:noFill/>
+              </a:ln>
+              <a:latin typeface="UD デジタル 教科書体 NP-R" panose="02020400000000000000" pitchFamily="18" charset="-128"/>
+              <a:ea typeface="UD デジタル 教科書体 NP-R" panose="02020400000000000000" pitchFamily="18" charset="-128"/>
+            </a:endParaRPr>
+          </a:p>
+          <a:p>
+            <a:r>
+              <a:rPr kumimoji="1" lang="en-US" altLang="ja-JP" sz="2000" dirty="0">
+                <a:ln w="6350">
+                  <a:noFill/>
+                </a:ln>
+                <a:latin typeface="UD デジタル 教科書体 NP-R" panose="02020400000000000000" pitchFamily="18" charset="-128"/>
+                <a:ea typeface="UD デジタル 教科書体 NP-R" panose="02020400000000000000" pitchFamily="18" charset="-128"/>
+              </a:rPr>
+              <a:t>SDGs</a:t>
+            </a:r>
+            <a:r>
+              <a:rPr kumimoji="1" lang="ja-JP" altLang="en-US" sz="2000" dirty="0">
+                <a:ln w="6350">
+                  <a:noFill/>
+                </a:ln>
+                <a:latin typeface="UD デジタル 教科書体 NP-R" panose="02020400000000000000" pitchFamily="18" charset="-128"/>
+                <a:ea typeface="UD デジタル 教科書体 NP-R" panose="02020400000000000000" pitchFamily="18" charset="-128"/>
+              </a:rPr>
+              <a:t>の</a:t>
+            </a:r>
+            <a:r>
+              <a:rPr kumimoji="1" lang="en-US" altLang="ja-JP" sz="2000" dirty="0">
+                <a:ln w="6350">
+                  <a:noFill/>
+                </a:ln>
+                <a:latin typeface="UD デジタル 教科書体 NP-R" panose="02020400000000000000" pitchFamily="18" charset="-128"/>
+                <a:ea typeface="UD デジタル 教科書体 NP-R" panose="02020400000000000000" pitchFamily="18" charset="-128"/>
+              </a:rPr>
+              <a:t>16</a:t>
+            </a:r>
+            <a:r>
+              <a:rPr kumimoji="1" lang="ja-JP" altLang="en-US" sz="2000" dirty="0">
+                <a:ln w="6350">
+                  <a:noFill/>
+                </a:ln>
+                <a:latin typeface="UD デジタル 教科書体 NP-R" panose="02020400000000000000" pitchFamily="18" charset="-128"/>
+                <a:ea typeface="UD デジタル 教科書体 NP-R" panose="02020400000000000000" pitchFamily="18" charset="-128"/>
+              </a:rPr>
+              <a:t>番、「平和と公正をすべての人に」という目標をもつ者。</a:t>
+            </a:r>
+            <a:endParaRPr kumimoji="1" lang="en-US" altLang="ja-JP" sz="2000" dirty="0">
+              <a:ln w="6350">
+                <a:noFill/>
+              </a:ln>
+              <a:latin typeface="UD デジタル 教科書体 NP-R" panose="02020400000000000000" pitchFamily="18" charset="-128"/>
+              <a:ea typeface="UD デジタル 教科書体 NP-R" panose="02020400000000000000" pitchFamily="18" charset="-128"/>
+            </a:endParaRPr>
+          </a:p>
+          <a:p>
+            <a:r>
+              <a:rPr kumimoji="1" lang="ja-JP" altLang="en-US" sz="2000" dirty="0">
+                <a:ln w="6350">
+                  <a:noFill/>
+                </a:ln>
+                <a:latin typeface="UD デジタル 教科書体 NP-R" panose="02020400000000000000" pitchFamily="18" charset="-128"/>
+                <a:ea typeface="UD デジタル 教科書体 NP-R" panose="02020400000000000000" pitchFamily="18" charset="-128"/>
+              </a:rPr>
+              <a:t>追加理由</a:t>
+            </a:r>
+            <a:r>
+              <a:rPr kumimoji="1" lang="ja-JP" altLang="en-US" sz="2000" dirty="0">
+                <a:ln w="6350">
+                  <a:noFill/>
+                </a:ln>
+                <a:latin typeface="UD デジタル 教科書体 NP-R" panose="02020400000000000000" pitchFamily="18" charset="-128"/>
+                <a:ea typeface="UD デジタル 教科書体 NP-R" panose="02020400000000000000" pitchFamily="18" charset="-128"/>
+                <a:sym typeface="Wingdings" panose="05000000000000000000" pitchFamily="2" charset="2"/>
+              </a:rPr>
+              <a:t>：</a:t>
+            </a:r>
+            <a:r>
+              <a:rPr kumimoji="1" lang="en-US" altLang="ja-JP" sz="2000" dirty="0">
+                <a:ln w="6350">
+                  <a:noFill/>
+                </a:ln>
+                <a:latin typeface="UD デジタル 教科書体 NP-R" panose="02020400000000000000" pitchFamily="18" charset="-128"/>
+                <a:ea typeface="UD デジタル 教科書体 NP-R" panose="02020400000000000000" pitchFamily="18" charset="-128"/>
+                <a:sym typeface="Wingdings" panose="05000000000000000000" pitchFamily="2" charset="2"/>
+              </a:rPr>
+              <a:t>……</a:t>
+            </a:r>
+            <a:r>
+              <a:rPr kumimoji="1" lang="ja-JP" altLang="en-US" sz="2000" dirty="0">
+                <a:ln w="6350">
+                  <a:noFill/>
+                </a:ln>
+                <a:latin typeface="UD デジタル 教科書体 NP-R" panose="02020400000000000000" pitchFamily="18" charset="-128"/>
+                <a:ea typeface="UD デジタル 教科書体 NP-R" panose="02020400000000000000" pitchFamily="18" charset="-128"/>
+                <a:sym typeface="Wingdings" panose="05000000000000000000" pitchFamily="2" charset="2"/>
+              </a:rPr>
+              <a:t>。（</a:t>
+            </a:r>
+            <a:r>
+              <a:rPr kumimoji="1" lang="ja-JP" altLang="en-US" sz="2000" dirty="0">
+                <a:ln w="6350">
+                  <a:noFill/>
+                </a:ln>
+                <a:latin typeface="UD デジタル 教科書体 NP-R" panose="02020400000000000000" pitchFamily="18" charset="-128"/>
+                <a:ea typeface="UD デジタル 教科書体 NP-R" panose="02020400000000000000" pitchFamily="18" charset="-128"/>
+              </a:rPr>
+              <a:t>記憶喪失により不明。）</a:t>
+            </a:r>
+            <a:endParaRPr kumimoji="1" lang="en-US" altLang="ja-JP" sz="2000" dirty="0">
+              <a:ln w="6350">
+                <a:noFill/>
+              </a:ln>
+              <a:latin typeface="UD デジタル 教科書体 NP-R" panose="02020400000000000000" pitchFamily="18" charset="-128"/>
+              <a:ea typeface="UD デジタル 教科書体 NP-R" panose="02020400000000000000" pitchFamily="18" charset="-128"/>
+            </a:endParaRPr>
+          </a:p>
+        </p:txBody>
+      </p:sp>
+      <p:pic>
+        <p:nvPicPr>
+          <p:cNvPr id="3" name="図 2">
+            <a:extLst>
+              <a:ext uri="{FF2B5EF4-FFF2-40B4-BE49-F238E27FC236}">
+                <a16:creationId xmlns:a16="http://schemas.microsoft.com/office/drawing/2014/main" id="{741A0302-8A02-48C1-92A6-47397B39CB9F}"/>
+              </a:ext>
+            </a:extLst>
+          </p:cNvPr>
+          <p:cNvPicPr>
+            <a:picLocks noChangeAspect="1"/>
+          </p:cNvPicPr>
+          <p:nvPr/>
+        </p:nvPicPr>
+        <p:blipFill rotWithShape="1">
+          <a:blip r:embed="rId2">
+            <a:extLst>
+              <a:ext uri="{BEBA8EAE-BF5A-486C-A8C5-ECC9F3942E4B}">
+                <a14:imgProps xmlns:a14="http://schemas.microsoft.com/office/drawing/2010/main">
+                  <a14:imgLayer r:embed="rId3">
+                    <a14:imgEffect>
+                      <a14:artisticPhotocopy/>
+                    </a14:imgEffect>
+                  </a14:imgLayer>
+                </a14:imgProps>
+              </a:ext>
+              <a:ext uri="{28A0092B-C50C-407E-A947-70E740481C1C}">
+                <a14:useLocalDpi xmlns:a14="http://schemas.microsoft.com/office/drawing/2010/main" val="0"/>
+              </a:ext>
+            </a:extLst>
+          </a:blip>
+          <a:srcRect r="1039"/>
+          <a:stretch/>
+        </p:blipFill>
+        <p:spPr>
+          <a:xfrm>
+            <a:off x="520503" y="519112"/>
+            <a:ext cx="2676985" cy="2562225"/>
+          </a:xfrm>
+          <a:prstGeom prst="rect">
+            <a:avLst/>
+          </a:prstGeom>
+        </p:spPr>
+      </p:pic>
+      <p:sp>
+        <p:nvSpPr>
+          <p:cNvPr id="8" name="正方形/長方形 7">
+            <a:extLst>
+              <a:ext uri="{FF2B5EF4-FFF2-40B4-BE49-F238E27FC236}">
+                <a16:creationId xmlns:a16="http://schemas.microsoft.com/office/drawing/2014/main" id="{023157AB-0F67-4F28-B2BC-5C371E234E49}"/>
+              </a:ext>
+            </a:extLst>
+          </p:cNvPr>
+          <p:cNvSpPr/>
+          <p:nvPr/>
+        </p:nvSpPr>
+        <p:spPr>
+          <a:xfrm flipH="1">
+            <a:off x="0" y="0"/>
+            <a:ext cx="3641272" cy="3600450"/>
+          </a:xfrm>
+          <a:prstGeom prst="rect">
+            <a:avLst/>
+          </a:prstGeom>
+          <a:gradFill flip="none" rotWithShape="1">
+            <a:gsLst>
+              <a:gs pos="0">
+                <a:schemeClr val="tx2">
+                  <a:lumMod val="60000"/>
+                  <a:lumOff val="40000"/>
+                  <a:tint val="66000"/>
+                  <a:satMod val="160000"/>
+                </a:schemeClr>
+              </a:gs>
+              <a:gs pos="50000">
+                <a:schemeClr val="tx2">
+                  <a:lumMod val="60000"/>
+                  <a:lumOff val="40000"/>
+                  <a:tint val="44500"/>
+                  <a:satMod val="160000"/>
+                </a:schemeClr>
+              </a:gs>
+              <a:gs pos="100000">
+                <a:schemeClr val="tx2">
+                  <a:lumMod val="60000"/>
+                  <a:lumOff val="40000"/>
+                  <a:tint val="23500"/>
+                  <a:satMod val="160000"/>
+                </a:schemeClr>
+              </a:gs>
+            </a:gsLst>
+            <a:lin ang="16200000" scaled="1"/>
+            <a:tileRect/>
+          </a:gradFill>
+          <a:ln>
+            <a:noFill/>
+          </a:ln>
+        </p:spPr>
+        <p:style>
+          <a:lnRef idx="2">
+            <a:schemeClr val="accent1">
+              <a:shade val="50000"/>
+            </a:schemeClr>
+          </a:lnRef>
+          <a:fillRef idx="1">
+            <a:schemeClr val="accent1"/>
+          </a:fillRef>
+          <a:effectRef idx="0">
+            <a:schemeClr val="accent1"/>
+          </a:effectRef>
+          <a:fontRef idx="minor">
+            <a:schemeClr val="lt1"/>
+          </a:fontRef>
+        </p:style>
+        <p:txBody>
+          <a:bodyPr rtlCol="0" anchor="ctr"/>
+          <a:lstStyle/>
+          <a:p>
+            <a:pPr algn="ctr"/>
+            <a:endParaRPr kumimoji="1" lang="ja-JP" altLang="en-US"/>
+          </a:p>
+        </p:txBody>
+      </p:sp>
+      <p:pic>
+        <p:nvPicPr>
+          <p:cNvPr id="4" name="図 3">
+            <a:extLst>
+              <a:ext uri="{FF2B5EF4-FFF2-40B4-BE49-F238E27FC236}">
+                <a16:creationId xmlns:a16="http://schemas.microsoft.com/office/drawing/2014/main" id="{A78175B3-3B9B-4F68-8BEE-30F160AFCD53}"/>
+              </a:ext>
+            </a:extLst>
+          </p:cNvPr>
+          <p:cNvPicPr>
+            <a:picLocks noChangeAspect="1"/>
+          </p:cNvPicPr>
+          <p:nvPr/>
+        </p:nvPicPr>
+        <p:blipFill rotWithShape="1">
+          <a:blip r:embed="rId4">
+            <a:extLst>
+              <a:ext uri="{28A0092B-C50C-407E-A947-70E740481C1C}">
+                <a14:useLocalDpi xmlns:a14="http://schemas.microsoft.com/office/drawing/2010/main" val="0"/>
+              </a:ext>
+            </a:extLst>
+          </a:blip>
+          <a:srcRect l="30857" t="4731" r="30471" b="64579"/>
+          <a:stretch/>
+        </p:blipFill>
+        <p:spPr>
+          <a:xfrm>
+            <a:off x="644487" y="609007"/>
+            <a:ext cx="2145785" cy="2382433"/>
+          </a:xfrm>
+          <a:prstGeom prst="rect">
+            <a:avLst/>
+          </a:prstGeom>
+        </p:spPr>
+      </p:pic>
+    </p:spTree>
+    <p:extLst>
+      <p:ext uri="{BB962C8B-B14F-4D97-AF65-F5344CB8AC3E}">
+        <p14:creationId xmlns:p14="http://schemas.microsoft.com/office/powerpoint/2010/main" val="695595750"/>
       </p:ext>
     </p:extLst>
   </p:cSld>
